--- a/zverka_stars_classification.pptx
+++ b/zverka_stars_classification.pptx
@@ -12,8 +12,10 @@
     <p:sldId id="262" r:id="rId6"/>
     <p:sldId id="264" r:id="rId7"/>
     <p:sldId id="263" r:id="rId8"/>
-    <p:sldId id="258" r:id="rId9"/>
-    <p:sldId id="259" r:id="rId10"/>
+    <p:sldId id="265" r:id="rId9"/>
+    <p:sldId id="266" r:id="rId10"/>
+    <p:sldId id="258" r:id="rId11"/>
+    <p:sldId id="259" r:id="rId12"/>
   </p:sldIdLst>
   <p:sldSz cx="12192000" cy="6858000"/>
   <p:notesSz cx="6858000" cy="9144000"/>
@@ -123,7 +125,7 @@
 <file path=ppt/revisionInfo.xml><?xml version="1.0" encoding="utf-8"?>
 <p1510:revInfo xmlns:a="http://schemas.openxmlformats.org/drawingml/2006/main" xmlns:r="http://schemas.openxmlformats.org/officeDocument/2006/relationships" xmlns:p1510="http://schemas.microsoft.com/office/powerpoint/2015/10/main">
   <p1510:revLst>
-    <p1510:client id="{AB1498BD-15C3-486F-9420-C987FB471694}" v="82" dt="2021-05-05T19:22:50.856"/>
+    <p1510:client id="{AB1498BD-15C3-486F-9420-C987FB471694}" v="237" dt="2021-05-06T13:21:41.727"/>
   </p1510:revLst>
 </p1510:revInfo>
 </file>
@@ -132,31 +134,39 @@
 <pc:chgInfo xmlns:a="http://schemas.openxmlformats.org/drawingml/2006/main" xmlns:r="http://schemas.openxmlformats.org/officeDocument/2006/relationships" xmlns:ac="http://schemas.microsoft.com/office/drawing/2013/main/command" xmlns:pc="http://schemas.microsoft.com/office/powerpoint/2013/main/command">
   <pc:docChgLst>
     <pc:chgData name="Adam Zverka" userId="b99f4dd7d5e65f30" providerId="LiveId" clId="{AB1498BD-15C3-486F-9420-C987FB471694}"/>
-    <pc:docChg chg="undo custSel addSld delSld modSld addMainMaster delMainMaster">
-      <pc:chgData name="Adam Zverka" userId="b99f4dd7d5e65f30" providerId="LiveId" clId="{AB1498BD-15C3-486F-9420-C987FB471694}" dt="2021-05-05T19:23:39.708" v="2436" actId="20577"/>
+    <pc:docChg chg="undo redo custSel addSld delSld modSld addMainMaster delMainMaster modMainMaster">
+      <pc:chgData name="Adam Zverka" userId="b99f4dd7d5e65f30" providerId="LiveId" clId="{AB1498BD-15C3-486F-9420-C987FB471694}" dt="2021-05-06T13:21:54.057" v="4209" actId="1076"/>
       <pc:docMkLst>
         <pc:docMk/>
       </pc:docMkLst>
-      <pc:sldChg chg="addSp delSp modSp mod setBg modClrScheme setClrOvrMap delDesignElem chgLayout">
-        <pc:chgData name="Adam Zverka" userId="b99f4dd7d5e65f30" providerId="LiveId" clId="{AB1498BD-15C3-486F-9420-C987FB471694}" dt="2021-05-05T17:52:32.065" v="462" actId="20577"/>
+      <pc:sldChg chg="addSp delSp modSp mod setBg modClrScheme addAnim delAnim setClrOvrMap delDesignElem chgLayout">
+        <pc:chgData name="Adam Zverka" userId="b99f4dd7d5e65f30" providerId="LiveId" clId="{AB1498BD-15C3-486F-9420-C987FB471694}" dt="2021-05-06T06:56:22.934" v="2457"/>
         <pc:sldMkLst>
           <pc:docMk/>
           <pc:sldMk cId="4179822864" sldId="256"/>
         </pc:sldMkLst>
-        <pc:spChg chg="mod">
-          <ac:chgData name="Adam Zverka" userId="b99f4dd7d5e65f30" providerId="LiveId" clId="{AB1498BD-15C3-486F-9420-C987FB471694}" dt="2021-05-05T17:38:04.644" v="37" actId="20577"/>
+        <pc:spChg chg="mod ord">
+          <ac:chgData name="Adam Zverka" userId="b99f4dd7d5e65f30" providerId="LiveId" clId="{AB1498BD-15C3-486F-9420-C987FB471694}" dt="2021-05-06T06:56:22.934" v="2457"/>
           <ac:spMkLst>
             <pc:docMk/>
             <pc:sldMk cId="4179822864" sldId="256"/>
             <ac:spMk id="2" creationId="{65A7335D-EB66-4ACC-BFED-6CECF367DDC9}"/>
           </ac:spMkLst>
         </pc:spChg>
-        <pc:spChg chg="mod">
-          <ac:chgData name="Adam Zverka" userId="b99f4dd7d5e65f30" providerId="LiveId" clId="{AB1498BD-15C3-486F-9420-C987FB471694}" dt="2021-05-05T17:52:32.065" v="462" actId="20577"/>
+        <pc:spChg chg="mod ord">
+          <ac:chgData name="Adam Zverka" userId="b99f4dd7d5e65f30" providerId="LiveId" clId="{AB1498BD-15C3-486F-9420-C987FB471694}" dt="2021-05-06T06:56:22.934" v="2457"/>
           <ac:spMkLst>
             <pc:docMk/>
             <pc:sldMk cId="4179822864" sldId="256"/>
             <ac:spMk id="3" creationId="{D68C2DF3-07EF-40C6-8EDF-823518F9D1E3}"/>
+          </ac:spMkLst>
+        </pc:spChg>
+        <pc:spChg chg="add del mod ord">
+          <ac:chgData name="Adam Zverka" userId="b99f4dd7d5e65f30" providerId="LiveId" clId="{AB1498BD-15C3-486F-9420-C987FB471694}" dt="2021-05-06T06:46:15.138" v="2444" actId="700"/>
+          <ac:spMkLst>
+            <pc:docMk/>
+            <pc:sldMk cId="4179822864" sldId="256"/>
+            <ac:spMk id="4" creationId="{EFDC9E09-1F31-4AE7-ABA2-92D2C3130DA1}"/>
           </ac:spMkLst>
         </pc:spChg>
         <pc:spChg chg="add del">
@@ -232,6 +242,14 @@
           </ac:spMkLst>
         </pc:spChg>
         <pc:spChg chg="add del">
+          <ac:chgData name="Adam Zverka" userId="b99f4dd7d5e65f30" providerId="LiveId" clId="{AB1498BD-15C3-486F-9420-C987FB471694}" dt="2021-05-06T06:45:58.184" v="2442" actId="26606"/>
+          <ac:spMkLst>
+            <pc:docMk/>
+            <pc:sldMk cId="4179822864" sldId="256"/>
+            <ac:spMk id="25" creationId="{33474BD5-5CDD-4624-B265-461D5D2FAB8D}"/>
+          </ac:spMkLst>
+        </pc:spChg>
+        <pc:spChg chg="add del">
           <ac:chgData name="Adam Zverka" userId="b99f4dd7d5e65f30" providerId="LiveId" clId="{AB1498BD-15C3-486F-9420-C987FB471694}" dt="2021-05-05T17:34:55.800" v="12" actId="26606"/>
           <ac:spMkLst>
             <pc:docMk/>
@@ -263,6 +281,22 @@
             <ac:spMk id="36" creationId="{4618AE32-A526-42FC-A854-732740BD38DA}"/>
           </ac:spMkLst>
         </pc:spChg>
+        <pc:spChg chg="add del">
+          <ac:chgData name="Adam Zverka" userId="b99f4dd7d5e65f30" providerId="LiveId" clId="{AB1498BD-15C3-486F-9420-C987FB471694}" dt="2021-05-06T06:45:58.184" v="2442" actId="26606"/>
+          <ac:spMkLst>
+            <pc:docMk/>
+            <pc:sldMk cId="4179822864" sldId="256"/>
+            <ac:spMk id="38" creationId="{9E382A3D-2F90-475C-8DF2-F666FEA3425B}"/>
+          </ac:spMkLst>
+        </pc:spChg>
+        <pc:grpChg chg="add del">
+          <ac:chgData name="Adam Zverka" userId="b99f4dd7d5e65f30" providerId="LiveId" clId="{AB1498BD-15C3-486F-9420-C987FB471694}" dt="2021-05-06T06:45:58.184" v="2442" actId="26606"/>
+          <ac:grpSpMkLst>
+            <pc:docMk/>
+            <pc:sldMk cId="4179822864" sldId="256"/>
+            <ac:grpSpMk id="10" creationId="{A31263F0-712E-46E9-B944-D0346B13642F}"/>
+          </ac:grpSpMkLst>
+        </pc:grpChg>
         <pc:picChg chg="add del">
           <ac:chgData name="Adam Zverka" userId="b99f4dd7d5e65f30" providerId="LiveId" clId="{AB1498BD-15C3-486F-9420-C987FB471694}" dt="2021-05-05T17:34:16.141" v="1" actId="26606"/>
           <ac:picMkLst>
@@ -366,14 +400,14 @@
           </ac:spMkLst>
         </pc:spChg>
       </pc:sldChg>
-      <pc:sldChg chg="modSp new mod">
-        <pc:chgData name="Adam Zverka" userId="b99f4dd7d5e65f30" providerId="LiveId" clId="{AB1498BD-15C3-486F-9420-C987FB471694}" dt="2021-05-05T17:56:16.715" v="655" actId="20577"/>
+      <pc:sldChg chg="addSp delSp modSp new mod">
+        <pc:chgData name="Adam Zverka" userId="b99f4dd7d5e65f30" providerId="LiveId" clId="{AB1498BD-15C3-486F-9420-C987FB471694}" dt="2021-05-06T06:56:35.782" v="2459" actId="1076"/>
         <pc:sldMkLst>
           <pc:docMk/>
           <pc:sldMk cId="2710341518" sldId="257"/>
         </pc:sldMkLst>
         <pc:spChg chg="mod">
-          <ac:chgData name="Adam Zverka" userId="b99f4dd7d5e65f30" providerId="LiveId" clId="{AB1498BD-15C3-486F-9420-C987FB471694}" dt="2021-05-05T17:40:44.198" v="121" actId="20577"/>
+          <ac:chgData name="Adam Zverka" userId="b99f4dd7d5e65f30" providerId="LiveId" clId="{AB1498BD-15C3-486F-9420-C987FB471694}" dt="2021-05-06T06:56:22.934" v="2457"/>
           <ac:spMkLst>
             <pc:docMk/>
             <pc:sldMk cId="2710341518" sldId="257"/>
@@ -388,45 +422,85 @@
             <ac:spMk id="3" creationId="{B3C52D36-CCD6-43BD-80FA-6F4806389A82}"/>
           </ac:spMkLst>
         </pc:spChg>
+        <pc:picChg chg="add del mod">
+          <ac:chgData name="Adam Zverka" userId="b99f4dd7d5e65f30" providerId="LiveId" clId="{AB1498BD-15C3-486F-9420-C987FB471694}" dt="2021-05-06T06:56:21.340" v="2454" actId="22"/>
+          <ac:picMkLst>
+            <pc:docMk/>
+            <pc:sldMk cId="2710341518" sldId="257"/>
+            <ac:picMk id="5" creationId="{752EAAE1-957A-409F-98F1-99BB0B9AD13E}"/>
+          </ac:picMkLst>
+        </pc:picChg>
+        <pc:picChg chg="add mod">
+          <ac:chgData name="Adam Zverka" userId="b99f4dd7d5e65f30" providerId="LiveId" clId="{AB1498BD-15C3-486F-9420-C987FB471694}" dt="2021-05-06T06:56:35.782" v="2459" actId="1076"/>
+          <ac:picMkLst>
+            <pc:docMk/>
+            <pc:sldMk cId="2710341518" sldId="257"/>
+            <ac:picMk id="6" creationId="{50BFE2D3-126E-41F0-AD76-525BDFF4D5C0}"/>
+          </ac:picMkLst>
+        </pc:picChg>
       </pc:sldChg>
-      <pc:sldChg chg="modSp new mod">
-        <pc:chgData name="Adam Zverka" userId="b99f4dd7d5e65f30" providerId="LiveId" clId="{AB1498BD-15C3-486F-9420-C987FB471694}" dt="2021-05-05T17:53:35.840" v="483" actId="20577"/>
+      <pc:sldChg chg="addSp delSp modSp new mod modClrScheme chgLayout">
+        <pc:chgData name="Adam Zverka" userId="b99f4dd7d5e65f30" providerId="LiveId" clId="{AB1498BD-15C3-486F-9420-C987FB471694}" dt="2021-05-06T06:58:29.066" v="2499" actId="1076"/>
         <pc:sldMkLst>
           <pc:docMk/>
           <pc:sldMk cId="1368579330" sldId="258"/>
         </pc:sldMkLst>
-        <pc:spChg chg="mod">
-          <ac:chgData name="Adam Zverka" userId="b99f4dd7d5e65f30" providerId="LiveId" clId="{AB1498BD-15C3-486F-9420-C987FB471694}" dt="2021-05-05T17:53:35.840" v="483" actId="20577"/>
+        <pc:spChg chg="mod ord">
+          <ac:chgData name="Adam Zverka" userId="b99f4dd7d5e65f30" providerId="LiveId" clId="{AB1498BD-15C3-486F-9420-C987FB471694}" dt="2021-05-06T06:58:29.066" v="2499" actId="1076"/>
           <ac:spMkLst>
             <pc:docMk/>
             <pc:sldMk cId="1368579330" sldId="258"/>
             <ac:spMk id="2" creationId="{0CD17F9D-5355-4D6A-ADC8-56AAF91CA743}"/>
           </ac:spMkLst>
         </pc:spChg>
+        <pc:spChg chg="del mod ord">
+          <ac:chgData name="Adam Zverka" userId="b99f4dd7d5e65f30" providerId="LiveId" clId="{AB1498BD-15C3-486F-9420-C987FB471694}" dt="2021-05-06T06:58:03.126" v="2495" actId="700"/>
+          <ac:spMkLst>
+            <pc:docMk/>
+            <pc:sldMk cId="1368579330" sldId="258"/>
+            <ac:spMk id="3" creationId="{FB0AD0F2-AF26-42D2-9FD9-35199A7347F0}"/>
+          </ac:spMkLst>
+        </pc:spChg>
+        <pc:spChg chg="add del mod ord">
+          <ac:chgData name="Adam Zverka" userId="b99f4dd7d5e65f30" providerId="LiveId" clId="{AB1498BD-15C3-486F-9420-C987FB471694}" dt="2021-05-06T06:58:09.860" v="2496" actId="478"/>
+          <ac:spMkLst>
+            <pc:docMk/>
+            <pc:sldMk cId="1368579330" sldId="258"/>
+            <ac:spMk id="4" creationId="{39619E30-B334-4D9F-857A-A36DB47264A3}"/>
+          </ac:spMkLst>
+        </pc:spChg>
       </pc:sldChg>
       <pc:sldChg chg="modSp new mod">
-        <pc:chgData name="Adam Zverka" userId="b99f4dd7d5e65f30" providerId="LiveId" clId="{AB1498BD-15C3-486F-9420-C987FB471694}" dt="2021-05-05T17:53:40.355" v="490" actId="20577"/>
+        <pc:chgData name="Adam Zverka" userId="b99f4dd7d5e65f30" providerId="LiveId" clId="{AB1498BD-15C3-486F-9420-C987FB471694}" dt="2021-05-06T12:04:12.231" v="4086" actId="27636"/>
         <pc:sldMkLst>
           <pc:docMk/>
           <pc:sldMk cId="3809026027" sldId="259"/>
         </pc:sldMkLst>
         <pc:spChg chg="mod">
-          <ac:chgData name="Adam Zverka" userId="b99f4dd7d5e65f30" providerId="LiveId" clId="{AB1498BD-15C3-486F-9420-C987FB471694}" dt="2021-05-05T17:53:40.355" v="490" actId="20577"/>
+          <ac:chgData name="Adam Zverka" userId="b99f4dd7d5e65f30" providerId="LiveId" clId="{AB1498BD-15C3-486F-9420-C987FB471694}" dt="2021-05-06T06:56:22.934" v="2457"/>
           <ac:spMkLst>
             <pc:docMk/>
             <pc:sldMk cId="3809026027" sldId="259"/>
             <ac:spMk id="2" creationId="{B5E591A7-E671-4BB8-980D-6804998F5599}"/>
           </ac:spMkLst>
         </pc:spChg>
+        <pc:spChg chg="mod">
+          <ac:chgData name="Adam Zverka" userId="b99f4dd7d5e65f30" providerId="LiveId" clId="{AB1498BD-15C3-486F-9420-C987FB471694}" dt="2021-05-06T12:04:12.231" v="4086" actId="27636"/>
+          <ac:spMkLst>
+            <pc:docMk/>
+            <pc:sldMk cId="3809026027" sldId="259"/>
+            <ac:spMk id="3" creationId="{2BD1D41E-F3E9-416D-BDF1-9C808020EA03}"/>
+          </ac:spMkLst>
+        </pc:spChg>
       </pc:sldChg>
       <pc:sldChg chg="addSp modSp new mod setBg">
-        <pc:chgData name="Adam Zverka" userId="b99f4dd7d5e65f30" providerId="LiveId" clId="{AB1498BD-15C3-486F-9420-C987FB471694}" dt="2021-05-05T18:59:29.142" v="1742" actId="20577"/>
+        <pc:chgData name="Adam Zverka" userId="b99f4dd7d5e65f30" providerId="LiveId" clId="{AB1498BD-15C3-486F-9420-C987FB471694}" dt="2021-05-06T06:56:22.934" v="2457"/>
         <pc:sldMkLst>
           <pc:docMk/>
           <pc:sldMk cId="2504705286" sldId="260"/>
         </pc:sldMkLst>
         <pc:spChg chg="mod">
-          <ac:chgData name="Adam Zverka" userId="b99f4dd7d5e65f30" providerId="LiveId" clId="{AB1498BD-15C3-486F-9420-C987FB471694}" dt="2021-05-05T18:00:14.988" v="905" actId="26606"/>
+          <ac:chgData name="Adam Zverka" userId="b99f4dd7d5e65f30" providerId="LiveId" clId="{AB1498BD-15C3-486F-9420-C987FB471694}" dt="2021-05-06T06:56:22.934" v="2457"/>
           <ac:spMkLst>
             <pc:docMk/>
             <pc:sldMk cId="2504705286" sldId="260"/>
@@ -466,8 +540,8 @@
           </ac:picMkLst>
         </pc:picChg>
       </pc:sldChg>
-      <pc:sldChg chg="addSp delSp modSp new mod setBg">
-        <pc:chgData name="Adam Zverka" userId="b99f4dd7d5e65f30" providerId="LiveId" clId="{AB1498BD-15C3-486F-9420-C987FB471694}" dt="2021-05-05T18:51:24.871" v="1517" actId="20577"/>
+      <pc:sldChg chg="addSp delSp modSp new mod setBg delDesignElem">
+        <pc:chgData name="Adam Zverka" userId="b99f4dd7d5e65f30" providerId="LiveId" clId="{AB1498BD-15C3-486F-9420-C987FB471694}" dt="2021-05-06T13:21:02.622" v="4204" actId="20577"/>
         <pc:sldMkLst>
           <pc:docMk/>
           <pc:sldMk cId="1459501236" sldId="261"/>
@@ -481,31 +555,31 @@
           </ac:spMkLst>
         </pc:spChg>
         <pc:spChg chg="mod">
-          <ac:chgData name="Adam Zverka" userId="b99f4dd7d5e65f30" providerId="LiveId" clId="{AB1498BD-15C3-486F-9420-C987FB471694}" dt="2021-05-05T18:51:24.871" v="1517" actId="20577"/>
+          <ac:chgData name="Adam Zverka" userId="b99f4dd7d5e65f30" providerId="LiveId" clId="{AB1498BD-15C3-486F-9420-C987FB471694}" dt="2021-05-06T13:21:02.622" v="4204" actId="20577"/>
           <ac:spMkLst>
             <pc:docMk/>
             <pc:sldMk cId="1459501236" sldId="261"/>
             <ac:spMk id="3" creationId="{43130170-457B-4A1A-97D5-2A2420DE5A69}"/>
           </ac:spMkLst>
         </pc:spChg>
-        <pc:spChg chg="add">
-          <ac:chgData name="Adam Zverka" userId="b99f4dd7d5e65f30" providerId="LiveId" clId="{AB1498BD-15C3-486F-9420-C987FB471694}" dt="2021-05-05T18:31:09.161" v="1217" actId="26606"/>
+        <pc:spChg chg="add del">
+          <ac:chgData name="Adam Zverka" userId="b99f4dd7d5e65f30" providerId="LiveId" clId="{AB1498BD-15C3-486F-9420-C987FB471694}" dt="2021-05-06T06:56:22.934" v="2457"/>
           <ac:spMkLst>
             <pc:docMk/>
             <pc:sldMk cId="1459501236" sldId="261"/>
             <ac:spMk id="71" creationId="{7BADB3A8-DB23-4150-A85C-006D092D4614}"/>
           </ac:spMkLst>
         </pc:spChg>
-        <pc:spChg chg="add">
-          <ac:chgData name="Adam Zverka" userId="b99f4dd7d5e65f30" providerId="LiveId" clId="{AB1498BD-15C3-486F-9420-C987FB471694}" dt="2021-05-05T18:31:09.161" v="1217" actId="26606"/>
+        <pc:spChg chg="add del">
+          <ac:chgData name="Adam Zverka" userId="b99f4dd7d5e65f30" providerId="LiveId" clId="{AB1498BD-15C3-486F-9420-C987FB471694}" dt="2021-05-06T06:56:22.934" v="2457"/>
           <ac:spMkLst>
             <pc:docMk/>
             <pc:sldMk cId="1459501236" sldId="261"/>
             <ac:spMk id="81" creationId="{1B9A1072-CCD5-4242-A77E-F96255E0DCBA}"/>
           </ac:spMkLst>
         </pc:spChg>
-        <pc:grpChg chg="add">
-          <ac:chgData name="Adam Zverka" userId="b99f4dd7d5e65f30" providerId="LiveId" clId="{AB1498BD-15C3-486F-9420-C987FB471694}" dt="2021-05-05T18:31:09.161" v="1217" actId="26606"/>
+        <pc:grpChg chg="add del">
+          <ac:chgData name="Adam Zverka" userId="b99f4dd7d5e65f30" providerId="LiveId" clId="{AB1498BD-15C3-486F-9420-C987FB471694}" dt="2021-05-06T06:56:22.934" v="2457"/>
           <ac:grpSpMkLst>
             <pc:docMk/>
             <pc:sldMk cId="1459501236" sldId="261"/>
@@ -529,7 +603,7 @@
           </ac:picMkLst>
         </pc:picChg>
         <pc:picChg chg="add del mod ord">
-          <ac:chgData name="Adam Zverka" userId="b99f4dd7d5e65f30" providerId="LiveId" clId="{AB1498BD-15C3-486F-9420-C987FB471694}" dt="2021-05-05T18:31:37.492" v="1224" actId="1076"/>
+          <ac:chgData name="Adam Zverka" userId="b99f4dd7d5e65f30" providerId="LiveId" clId="{AB1498BD-15C3-486F-9420-C987FB471694}" dt="2021-05-06T06:56:48.676" v="2460" actId="1076"/>
           <ac:picMkLst>
             <pc:docMk/>
             <pc:sldMk cId="1459501236" sldId="261"/>
@@ -546,7 +620,7 @@
         </pc:picChg>
       </pc:sldChg>
       <pc:sldChg chg="addSp delSp modSp new mod setBg modClrScheme chgLayout">
-        <pc:chgData name="Adam Zverka" userId="b99f4dd7d5e65f30" providerId="LiveId" clId="{AB1498BD-15C3-486F-9420-C987FB471694}" dt="2021-05-05T18:36:51.741" v="1298" actId="1076"/>
+        <pc:chgData name="Adam Zverka" userId="b99f4dd7d5e65f30" providerId="LiveId" clId="{AB1498BD-15C3-486F-9420-C987FB471694}" dt="2021-05-06T06:56:22.934" v="2457"/>
         <pc:sldMkLst>
           <pc:docMk/>
           <pc:sldMk cId="1424296252" sldId="262"/>
@@ -584,7 +658,7 @@
           </ac:spMkLst>
         </pc:spChg>
         <pc:spChg chg="add mod ord">
-          <ac:chgData name="Adam Zverka" userId="b99f4dd7d5e65f30" providerId="LiveId" clId="{AB1498BD-15C3-486F-9420-C987FB471694}" dt="2021-05-05T18:36:43.827" v="1296" actId="20577"/>
+          <ac:chgData name="Adam Zverka" userId="b99f4dd7d5e65f30" providerId="LiveId" clId="{AB1498BD-15C3-486F-9420-C987FB471694}" dt="2021-05-06T06:56:22.934" v="2457"/>
           <ac:spMkLst>
             <pc:docMk/>
             <pc:sldMk cId="1424296252" sldId="262"/>
@@ -632,14 +706,14 @@
           </ac:picMkLst>
         </pc:picChg>
       </pc:sldChg>
-      <pc:sldChg chg="addSp modSp new mod modClrScheme chgLayout">
-        <pc:chgData name="Adam Zverka" userId="b99f4dd7d5e65f30" providerId="LiveId" clId="{AB1498BD-15C3-486F-9420-C987FB471694}" dt="2021-05-05T19:23:39.708" v="2436" actId="20577"/>
+      <pc:sldChg chg="addSp delSp modSp new mod modClrScheme chgLayout">
+        <pc:chgData name="Adam Zverka" userId="b99f4dd7d5e65f30" providerId="LiveId" clId="{AB1498BD-15C3-486F-9420-C987FB471694}" dt="2021-05-06T12:10:09.662" v="4171" actId="1076"/>
         <pc:sldMkLst>
           <pc:docMk/>
           <pc:sldMk cId="494322987" sldId="263"/>
         </pc:sldMkLst>
         <pc:spChg chg="mod ord">
-          <ac:chgData name="Adam Zverka" userId="b99f4dd7d5e65f30" providerId="LiveId" clId="{AB1498BD-15C3-486F-9420-C987FB471694}" dt="2021-05-05T19:23:18.043" v="2403" actId="700"/>
+          <ac:chgData name="Adam Zverka" userId="b99f4dd7d5e65f30" providerId="LiveId" clId="{AB1498BD-15C3-486F-9420-C987FB471694}" dt="2021-05-06T12:05:29.108" v="4106" actId="1076"/>
           <ac:spMkLst>
             <pc:docMk/>
             <pc:sldMk cId="494322987" sldId="263"/>
@@ -647,16 +721,64 @@
           </ac:spMkLst>
         </pc:spChg>
         <pc:spChg chg="add mod ord">
-          <ac:chgData name="Adam Zverka" userId="b99f4dd7d5e65f30" providerId="LiveId" clId="{AB1498BD-15C3-486F-9420-C987FB471694}" dt="2021-05-05T19:23:39.708" v="2436" actId="20577"/>
+          <ac:chgData name="Adam Zverka" userId="b99f4dd7d5e65f30" providerId="LiveId" clId="{AB1498BD-15C3-486F-9420-C987FB471694}" dt="2021-05-06T12:06:11.523" v="4119" actId="20577"/>
           <ac:spMkLst>
             <pc:docMk/>
             <pc:sldMk cId="494322987" sldId="263"/>
             <ac:spMk id="3" creationId="{C39B0954-967C-4A52-9629-2344B102B048}"/>
           </ac:spMkLst>
         </pc:spChg>
+        <pc:spChg chg="add del mod ord">
+          <ac:chgData name="Adam Zverka" userId="b99f4dd7d5e65f30" providerId="LiveId" clId="{AB1498BD-15C3-486F-9420-C987FB471694}" dt="2021-05-06T12:04:29.916" v="4089" actId="478"/>
+          <ac:spMkLst>
+            <pc:docMk/>
+            <pc:sldMk cId="494322987" sldId="263"/>
+            <ac:spMk id="4" creationId="{D32AAEB1-1E95-4ABB-BFE4-3D380699EB1A}"/>
+          </ac:spMkLst>
+        </pc:spChg>
+        <pc:spChg chg="add del mod">
+          <ac:chgData name="Adam Zverka" userId="b99f4dd7d5e65f30" providerId="LiveId" clId="{AB1498BD-15C3-486F-9420-C987FB471694}" dt="2021-05-06T12:09:25.599" v="4162" actId="478"/>
+          <ac:spMkLst>
+            <pc:docMk/>
+            <pc:sldMk cId="494322987" sldId="263"/>
+            <ac:spMk id="5" creationId="{4907021E-D979-4B45-9D4E-5BD039C13CF8}"/>
+          </ac:spMkLst>
+        </pc:spChg>
+        <pc:spChg chg="add del">
+          <ac:chgData name="Adam Zverka" userId="b99f4dd7d5e65f30" providerId="LiveId" clId="{AB1498BD-15C3-486F-9420-C987FB471694}" dt="2021-05-06T12:08:35.937" v="4138"/>
+          <ac:spMkLst>
+            <pc:docMk/>
+            <pc:sldMk cId="494322987" sldId="263"/>
+            <ac:spMk id="6" creationId="{F85C78F0-125F-447F-93BF-FB7988D0CA7D}"/>
+          </ac:spMkLst>
+        </pc:spChg>
+        <pc:spChg chg="add del">
+          <ac:chgData name="Adam Zverka" userId="b99f4dd7d5e65f30" providerId="LiveId" clId="{AB1498BD-15C3-486F-9420-C987FB471694}" dt="2021-05-06T12:08:39.432" v="4140"/>
+          <ac:spMkLst>
+            <pc:docMk/>
+            <pc:sldMk cId="494322987" sldId="263"/>
+            <ac:spMk id="7" creationId="{9689800C-72E3-45F3-9280-BE2A750E70C5}"/>
+          </ac:spMkLst>
+        </pc:spChg>
+        <pc:picChg chg="add mod">
+          <ac:chgData name="Adam Zverka" userId="b99f4dd7d5e65f30" providerId="LiveId" clId="{AB1498BD-15C3-486F-9420-C987FB471694}" dt="2021-05-06T12:10:08.490" v="4170" actId="1076"/>
+          <ac:picMkLst>
+            <pc:docMk/>
+            <pc:sldMk cId="494322987" sldId="263"/>
+            <ac:picMk id="9" creationId="{A70D455C-8E13-4A85-9AFA-535DA873C3B8}"/>
+          </ac:picMkLst>
+        </pc:picChg>
+        <pc:picChg chg="add mod">
+          <ac:chgData name="Adam Zverka" userId="b99f4dd7d5e65f30" providerId="LiveId" clId="{AB1498BD-15C3-486F-9420-C987FB471694}" dt="2021-05-06T12:10:09.662" v="4171" actId="1076"/>
+          <ac:picMkLst>
+            <pc:docMk/>
+            <pc:sldMk cId="494322987" sldId="263"/>
+            <ac:picMk id="2052" creationId="{2B6CA4DE-3A8F-4BE5-99CF-C5E674707C0A}"/>
+          </ac:picMkLst>
+        </pc:picChg>
       </pc:sldChg>
       <pc:sldChg chg="addSp delSp modSp new mod modClrScheme chgLayout">
-        <pc:chgData name="Adam Zverka" userId="b99f4dd7d5e65f30" providerId="LiveId" clId="{AB1498BD-15C3-486F-9420-C987FB471694}" dt="2021-05-05T19:22:54.932" v="2389" actId="1076"/>
+        <pc:chgData name="Adam Zverka" userId="b99f4dd7d5e65f30" providerId="LiveId" clId="{AB1498BD-15C3-486F-9420-C987FB471694}" dt="2021-05-06T13:21:54.057" v="4209" actId="1076"/>
         <pc:sldMkLst>
           <pc:docMk/>
           <pc:sldMk cId="3541539548" sldId="264"/>
@@ -718,7 +840,7 @@
           </ac:spMkLst>
         </pc:spChg>
         <pc:spChg chg="add mod">
-          <ac:chgData name="Adam Zverka" userId="b99f4dd7d5e65f30" providerId="LiveId" clId="{AB1498BD-15C3-486F-9420-C987FB471694}" dt="2021-05-05T19:22:21.531" v="2376" actId="1076"/>
+          <ac:chgData name="Adam Zverka" userId="b99f4dd7d5e65f30" providerId="LiveId" clId="{AB1498BD-15C3-486F-9420-C987FB471694}" dt="2021-05-06T13:21:37.309" v="4207" actId="1076"/>
           <ac:spMkLst>
             <pc:docMk/>
             <pc:sldMk cId="3541539548" sldId="264"/>
@@ -726,7 +848,7 @@
           </ac:spMkLst>
         </pc:spChg>
         <pc:spChg chg="add mod">
-          <ac:chgData name="Adam Zverka" userId="b99f4dd7d5e65f30" providerId="LiveId" clId="{AB1498BD-15C3-486F-9420-C987FB471694}" dt="2021-05-05T19:22:40.273" v="2386" actId="1076"/>
+          <ac:chgData name="Adam Zverka" userId="b99f4dd7d5e65f30" providerId="LiveId" clId="{AB1498BD-15C3-486F-9420-C987FB471694}" dt="2021-05-06T13:21:54.057" v="4209" actId="1076"/>
           <ac:spMkLst>
             <pc:docMk/>
             <pc:sldMk cId="3541539548" sldId="264"/>
@@ -734,7 +856,7 @@
           </ac:spMkLst>
         </pc:spChg>
         <pc:picChg chg="add mod">
-          <ac:chgData name="Adam Zverka" userId="b99f4dd7d5e65f30" providerId="LiveId" clId="{AB1498BD-15C3-486F-9420-C987FB471694}" dt="2021-05-05T19:11:27.167" v="2281" actId="1076"/>
+          <ac:chgData name="Adam Zverka" userId="b99f4dd7d5e65f30" providerId="LiveId" clId="{AB1498BD-15C3-486F-9420-C987FB471694}" dt="2021-05-06T13:21:31.188" v="4205" actId="1076"/>
           <ac:picMkLst>
             <pc:docMk/>
             <pc:sldMk cId="3541539548" sldId="264"/>
@@ -742,7 +864,7 @@
           </ac:picMkLst>
         </pc:picChg>
         <pc:picChg chg="add mod">
-          <ac:chgData name="Adam Zverka" userId="b99f4dd7d5e65f30" providerId="LiveId" clId="{AB1498BD-15C3-486F-9420-C987FB471694}" dt="2021-05-05T19:11:33.101" v="2282" actId="1076"/>
+          <ac:chgData name="Adam Zverka" userId="b99f4dd7d5e65f30" providerId="LiveId" clId="{AB1498BD-15C3-486F-9420-C987FB471694}" dt="2021-05-06T13:21:33.121" v="4206" actId="1076"/>
           <ac:picMkLst>
             <pc:docMk/>
             <pc:sldMk cId="3541539548" sldId="264"/>
@@ -750,11 +872,97 @@
           </ac:picMkLst>
         </pc:picChg>
         <pc:picChg chg="add mod">
-          <ac:chgData name="Adam Zverka" userId="b99f4dd7d5e65f30" providerId="LiveId" clId="{AB1498BD-15C3-486F-9420-C987FB471694}" dt="2021-05-05T19:22:50.855" v="2388" actId="1076"/>
+          <ac:chgData name="Adam Zverka" userId="b99f4dd7d5e65f30" providerId="LiveId" clId="{AB1498BD-15C3-486F-9420-C987FB471694}" dt="2021-05-06T13:21:41.727" v="4208" actId="1076"/>
           <ac:picMkLst>
             <pc:docMk/>
             <pc:sldMk cId="3541539548" sldId="264"/>
             <ac:picMk id="3078" creationId="{59CDF1A5-E092-494A-87E2-23A47BF66777}"/>
+          </ac:picMkLst>
+        </pc:picChg>
+      </pc:sldChg>
+      <pc:sldChg chg="addSp delSp modSp add mod modClrScheme chgLayout">
+        <pc:chgData name="Adam Zverka" userId="b99f4dd7d5e65f30" providerId="LiveId" clId="{AB1498BD-15C3-486F-9420-C987FB471694}" dt="2021-05-06T13:09:55.955" v="4179" actId="1076"/>
+        <pc:sldMkLst>
+          <pc:docMk/>
+          <pc:sldMk cId="1541908363" sldId="265"/>
+        </pc:sldMkLst>
+        <pc:spChg chg="mod ord">
+          <ac:chgData name="Adam Zverka" userId="b99f4dd7d5e65f30" providerId="LiveId" clId="{AB1498BD-15C3-486F-9420-C987FB471694}" dt="2021-05-06T12:05:07.023" v="4099" actId="1076"/>
+          <ac:spMkLst>
+            <pc:docMk/>
+            <pc:sldMk cId="1541908363" sldId="265"/>
+            <ac:spMk id="2" creationId="{8335B9B6-F964-4273-8009-4F82F9361561}"/>
+          </ac:spMkLst>
+        </pc:spChg>
+        <pc:spChg chg="mod ord">
+          <ac:chgData name="Adam Zverka" userId="b99f4dd7d5e65f30" providerId="LiveId" clId="{AB1498BD-15C3-486F-9420-C987FB471694}" dt="2021-05-06T10:35:31.418" v="3537" actId="20577"/>
+          <ac:spMkLst>
+            <pc:docMk/>
+            <pc:sldMk cId="1541908363" sldId="265"/>
+            <ac:spMk id="3" creationId="{C39B0954-967C-4A52-9629-2344B102B048}"/>
+          </ac:spMkLst>
+        </pc:spChg>
+        <pc:spChg chg="add del mod ord">
+          <ac:chgData name="Adam Zverka" userId="b99f4dd7d5e65f30" providerId="LiveId" clId="{AB1498BD-15C3-486F-9420-C987FB471694}" dt="2021-05-06T10:34:11.497" v="3497" actId="478"/>
+          <ac:spMkLst>
+            <pc:docMk/>
+            <pc:sldMk cId="1541908363" sldId="265"/>
+            <ac:spMk id="4" creationId="{3FDB5066-79FA-468C-B26C-B86703685656}"/>
+          </ac:spMkLst>
+        </pc:spChg>
+        <pc:picChg chg="add mod">
+          <ac:chgData name="Adam Zverka" userId="b99f4dd7d5e65f30" providerId="LiveId" clId="{AB1498BD-15C3-486F-9420-C987FB471694}" dt="2021-05-06T13:00:47.281" v="4174" actId="1076"/>
+          <ac:picMkLst>
+            <pc:docMk/>
+            <pc:sldMk cId="1541908363" sldId="265"/>
+            <ac:picMk id="6" creationId="{D7F03348-29B2-4B38-A89D-5E662727C8FA}"/>
+          </ac:picMkLst>
+        </pc:picChg>
+        <pc:picChg chg="add mod">
+          <ac:chgData name="Adam Zverka" userId="b99f4dd7d5e65f30" providerId="LiveId" clId="{AB1498BD-15C3-486F-9420-C987FB471694}" dt="2021-05-06T13:09:55.955" v="4179" actId="1076"/>
+          <ac:picMkLst>
+            <pc:docMk/>
+            <pc:sldMk cId="1541908363" sldId="265"/>
+            <ac:picMk id="3074" creationId="{6E18C46B-4681-4B8F-A2D0-08220C36053E}"/>
+          </ac:picMkLst>
+        </pc:picChg>
+      </pc:sldChg>
+      <pc:sldChg chg="addSp modSp add mod">
+        <pc:chgData name="Adam Zverka" userId="b99f4dd7d5e65f30" providerId="LiveId" clId="{AB1498BD-15C3-486F-9420-C987FB471694}" dt="2021-05-06T13:10:30.885" v="4189" actId="1076"/>
+        <pc:sldMkLst>
+          <pc:docMk/>
+          <pc:sldMk cId="3480595729" sldId="266"/>
+        </pc:sldMkLst>
+        <pc:spChg chg="mod">
+          <ac:chgData name="Adam Zverka" userId="b99f4dd7d5e65f30" providerId="LiveId" clId="{AB1498BD-15C3-486F-9420-C987FB471694}" dt="2021-05-06T06:57:55.451" v="2494" actId="20577"/>
+          <ac:spMkLst>
+            <pc:docMk/>
+            <pc:sldMk cId="3480595729" sldId="266"/>
+            <ac:spMk id="2" creationId="{8335B9B6-F964-4273-8009-4F82F9361561}"/>
+          </ac:spMkLst>
+        </pc:spChg>
+        <pc:spChg chg="mod">
+          <ac:chgData name="Adam Zverka" userId="b99f4dd7d5e65f30" providerId="LiveId" clId="{AB1498BD-15C3-486F-9420-C987FB471694}" dt="2021-05-06T13:10:21.597" v="4186" actId="1076"/>
+          <ac:spMkLst>
+            <pc:docMk/>
+            <pc:sldMk cId="3480595729" sldId="266"/>
+            <ac:spMk id="3" creationId="{C39B0954-967C-4A52-9629-2344B102B048}"/>
+          </ac:spMkLst>
+        </pc:spChg>
+        <pc:picChg chg="add mod">
+          <ac:chgData name="Adam Zverka" userId="b99f4dd7d5e65f30" providerId="LiveId" clId="{AB1498BD-15C3-486F-9420-C987FB471694}" dt="2021-05-06T13:10:25.349" v="4187" actId="1076"/>
+          <ac:picMkLst>
+            <pc:docMk/>
+            <pc:sldMk cId="3480595729" sldId="266"/>
+            <ac:picMk id="5" creationId="{6609EDBD-4863-4F54-A7D0-7C7F8010AF0F}"/>
+          </ac:picMkLst>
+        </pc:picChg>
+        <pc:picChg chg="add mod">
+          <ac:chgData name="Adam Zverka" userId="b99f4dd7d5e65f30" providerId="LiveId" clId="{AB1498BD-15C3-486F-9420-C987FB471694}" dt="2021-05-06T13:10:30.885" v="4189" actId="1076"/>
+          <ac:picMkLst>
+            <pc:docMk/>
+            <pc:sldMk cId="3480595729" sldId="266"/>
+            <ac:picMk id="1026" creationId="{A40FC438-3EE0-4F51-B009-FBE78BC64530}"/>
           </ac:picMkLst>
         </pc:picChg>
       </pc:sldChg>
@@ -1138,6 +1346,13 @@
           </pc:sldLayoutMkLst>
         </pc:sldLayoutChg>
       </pc:sldMasterChg>
+      <pc:sldMasterChg chg="setBg">
+        <pc:chgData name="Adam Zverka" userId="b99f4dd7d5e65f30" providerId="LiveId" clId="{AB1498BD-15C3-486F-9420-C987FB471694}" dt="2021-05-06T06:56:22.360" v="2456"/>
+        <pc:sldMasterMkLst>
+          <pc:docMk/>
+          <pc:sldMasterMk cId="3017374568" sldId="2147483696"/>
+        </pc:sldMasterMkLst>
+      </pc:sldMasterChg>
       <pc:sldMasterChg chg="add del addSldLayout delSldLayout">
         <pc:chgData name="Adam Zverka" userId="b99f4dd7d5e65f30" providerId="LiveId" clId="{AB1498BD-15C3-486F-9420-C987FB471694}" dt="2021-05-05T17:34:55.800" v="12" actId="26606"/>
         <pc:sldMasterMkLst>
@@ -1927,7 +2142,7 @@
           <a:p>
             <a:fld id="{6869981B-79C6-4B34-9573-1164DEC130F8}" type="datetimeFigureOut">
               <a:rPr lang="en-GB" smtClean="0"/>
-              <a:t>05/05/2021</a:t>
+              <a:t>06/05/2021</a:t>
             </a:fld>
             <a:endParaRPr lang="en-GB"/>
           </a:p>
@@ -3088,7 +3303,7 @@
           <a:p>
             <a:fld id="{6869981B-79C6-4B34-9573-1164DEC130F8}" type="datetimeFigureOut">
               <a:rPr lang="en-GB" smtClean="0"/>
-              <a:t>05/05/2021</a:t>
+              <a:t>06/05/2021</a:t>
             </a:fld>
             <a:endParaRPr lang="en-GB"/>
           </a:p>
@@ -4142,7 +4357,7 @@
           <a:p>
             <a:fld id="{6869981B-79C6-4B34-9573-1164DEC130F8}" type="datetimeFigureOut">
               <a:rPr lang="en-GB" smtClean="0"/>
-              <a:t>05/05/2021</a:t>
+              <a:t>06/05/2021</a:t>
             </a:fld>
             <a:endParaRPr lang="en-GB"/>
           </a:p>
@@ -5355,7 +5570,7 @@
           <a:p>
             <a:fld id="{6869981B-79C6-4B34-9573-1164DEC130F8}" type="datetimeFigureOut">
               <a:rPr lang="en-GB" smtClean="0"/>
-              <a:t>05/05/2021</a:t>
+              <a:t>06/05/2021</a:t>
             </a:fld>
             <a:endParaRPr lang="en-GB"/>
           </a:p>
@@ -6459,7 +6674,7 @@
           <a:p>
             <a:fld id="{6869981B-79C6-4B34-9573-1164DEC130F8}" type="datetimeFigureOut">
               <a:rPr lang="en-GB" smtClean="0"/>
-              <a:t>05/05/2021</a:t>
+              <a:t>06/05/2021</a:t>
             </a:fld>
             <a:endParaRPr lang="en-GB"/>
           </a:p>
@@ -7111,7 +7326,7 @@
           <a:p>
             <a:fld id="{6869981B-79C6-4B34-9573-1164DEC130F8}" type="datetimeFigureOut">
               <a:rPr lang="en-GB" smtClean="0"/>
-              <a:t>05/05/2021</a:t>
+              <a:t>06/05/2021</a:t>
             </a:fld>
             <a:endParaRPr lang="en-GB"/>
           </a:p>
@@ -7958,7 +8173,7 @@
           <a:p>
             <a:fld id="{6869981B-79C6-4B34-9573-1164DEC130F8}" type="datetimeFigureOut">
               <a:rPr lang="en-GB" smtClean="0"/>
-              <a:t>05/05/2021</a:t>
+              <a:t>06/05/2021</a:t>
             </a:fld>
             <a:endParaRPr lang="en-GB"/>
           </a:p>
@@ -8143,7 +8358,7 @@
           <a:p>
             <a:fld id="{6869981B-79C6-4B34-9573-1164DEC130F8}" type="datetimeFigureOut">
               <a:rPr lang="en-GB" smtClean="0"/>
-              <a:t>05/05/2021</a:t>
+              <a:t>06/05/2021</a:t>
             </a:fld>
             <a:endParaRPr lang="en-GB"/>
           </a:p>
@@ -9184,7 +9399,7 @@
           <a:p>
             <a:fld id="{6869981B-79C6-4B34-9573-1164DEC130F8}" type="datetimeFigureOut">
               <a:rPr lang="en-GB" smtClean="0"/>
-              <a:t>05/05/2021</a:t>
+              <a:t>06/05/2021</a:t>
             </a:fld>
             <a:endParaRPr lang="en-GB"/>
           </a:p>
@@ -9400,7 +9615,7 @@
           <a:p>
             <a:fld id="{6869981B-79C6-4B34-9573-1164DEC130F8}" type="datetimeFigureOut">
               <a:rPr lang="en-GB" smtClean="0"/>
-              <a:t>05/05/2021</a:t>
+              <a:t>06/05/2021</a:t>
             </a:fld>
             <a:endParaRPr lang="en-GB"/>
           </a:p>
@@ -10505,7 +10720,7 @@
           <a:p>
             <a:fld id="{6869981B-79C6-4B34-9573-1164DEC130F8}" type="datetimeFigureOut">
               <a:rPr lang="en-GB" smtClean="0"/>
-              <a:t>05/05/2021</a:t>
+              <a:t>06/05/2021</a:t>
             </a:fld>
             <a:endParaRPr lang="en-GB"/>
           </a:p>
@@ -10777,7 +10992,7 @@
           <a:p>
             <a:fld id="{6869981B-79C6-4B34-9573-1164DEC130F8}" type="datetimeFigureOut">
               <a:rPr lang="en-GB" smtClean="0"/>
-              <a:t>05/05/2021</a:t>
+              <a:t>06/05/2021</a:t>
             </a:fld>
             <a:endParaRPr lang="en-GB"/>
           </a:p>
@@ -11159,7 +11374,7 @@
           <a:p>
             <a:fld id="{6869981B-79C6-4B34-9573-1164DEC130F8}" type="datetimeFigureOut">
               <a:rPr lang="en-GB" smtClean="0"/>
-              <a:t>05/05/2021</a:t>
+              <a:t>06/05/2021</a:t>
             </a:fld>
             <a:endParaRPr lang="en-GB"/>
           </a:p>
@@ -11277,7 +11492,7 @@
           <a:p>
             <a:fld id="{6869981B-79C6-4B34-9573-1164DEC130F8}" type="datetimeFigureOut">
               <a:rPr lang="en-GB" smtClean="0"/>
-              <a:t>05/05/2021</a:t>
+              <a:t>06/05/2021</a:t>
             </a:fld>
             <a:endParaRPr lang="en-GB"/>
           </a:p>
@@ -11372,7 +11587,7 @@
           <a:p>
             <a:fld id="{6869981B-79C6-4B34-9573-1164DEC130F8}" type="datetimeFigureOut">
               <a:rPr lang="en-GB" smtClean="0"/>
-              <a:t>05/05/2021</a:t>
+              <a:t>06/05/2021</a:t>
             </a:fld>
             <a:endParaRPr lang="en-GB"/>
           </a:p>
@@ -12524,7 +12739,7 @@
           <a:p>
             <a:fld id="{6869981B-79C6-4B34-9573-1164DEC130F8}" type="datetimeFigureOut">
               <a:rPr lang="en-GB" smtClean="0"/>
-              <a:t>05/05/2021</a:t>
+              <a:t>06/05/2021</a:t>
             </a:fld>
             <a:endParaRPr lang="en-GB"/>
           </a:p>
@@ -13700,7 +13915,7 @@
           <a:p>
             <a:fld id="{6869981B-79C6-4B34-9573-1164DEC130F8}" type="datetimeFigureOut">
               <a:rPr lang="en-GB" smtClean="0"/>
-              <a:t>05/05/2021</a:t>
+              <a:t>06/05/2021</a:t>
             </a:fld>
             <a:endParaRPr lang="en-GB"/>
           </a:p>
@@ -14806,7 +15021,7 @@
           <a:p>
             <a:fld id="{6869981B-79C6-4B34-9573-1164DEC130F8}" type="datetimeFigureOut">
               <a:rPr lang="en-GB" smtClean="0"/>
-              <a:t>05/05/2021</a:t>
+              <a:t>06/05/2021</a:t>
             </a:fld>
             <a:endParaRPr lang="en-GB"/>
           </a:p>
@@ -15352,7 +15567,7 @@
           <a:lstStyle/>
           <a:p>
             <a:r>
-              <a:rPr lang="sk-SK" dirty="0"/>
+              <a:rPr lang="sk-SK"/>
               <a:t>Neurónové siete</a:t>
             </a:r>
             <a:endParaRPr lang="en-GB" dirty="0"/>
@@ -15383,15 +15598,16 @@
           <a:lstStyle/>
           <a:p>
             <a:r>
-              <a:rPr lang="sk-SK" dirty="0"/>
+              <a:rPr lang="sk-SK"/>
               <a:t>klasifikácia hviezd</a:t>
             </a:r>
           </a:p>
           <a:p>
             <a:r>
-              <a:rPr lang="sk-SK" dirty="0"/>
+              <a:rPr lang="sk-SK"/>
               <a:t>Bc. Adam Zverka</a:t>
             </a:r>
+            <a:endParaRPr lang="sk-SK" dirty="0"/>
           </a:p>
         </p:txBody>
       </p:sp>
@@ -15399,6 +15615,219 @@
     <p:extLst>
       <p:ext uri="{BB962C8B-B14F-4D97-AF65-F5344CB8AC3E}">
         <p14:creationId xmlns:p14="http://schemas.microsoft.com/office/powerpoint/2010/main" val="4179822864"/>
+      </p:ext>
+    </p:extLst>
+  </p:cSld>
+  <p:clrMapOvr>
+    <a:masterClrMapping/>
+  </p:clrMapOvr>
+</p:sld>
+</file>
+
+<file path=ppt/slides/slide10.xml><?xml version="1.0" encoding="utf-8"?>
+<p:sld xmlns:a="http://schemas.openxmlformats.org/drawingml/2006/main" xmlns:r="http://schemas.openxmlformats.org/officeDocument/2006/relationships" xmlns:p="http://schemas.openxmlformats.org/presentationml/2006/main">
+  <p:cSld>
+    <p:spTree>
+      <p:nvGrpSpPr>
+        <p:cNvPr id="1" name=""/>
+        <p:cNvGrpSpPr/>
+        <p:nvPr/>
+      </p:nvGrpSpPr>
+      <p:grpSpPr>
+        <a:xfrm>
+          <a:off x="0" y="0"/>
+          <a:ext cx="0" cy="0"/>
+          <a:chOff x="0" y="0"/>
+          <a:chExt cx="0" cy="0"/>
+        </a:xfrm>
+      </p:grpSpPr>
+      <p:sp>
+        <p:nvSpPr>
+          <p:cNvPr id="2" name="Nadpis 1">
+            <a:extLst>
+              <a:ext uri="{FF2B5EF4-FFF2-40B4-BE49-F238E27FC236}">
+                <a16:creationId xmlns:a16="http://schemas.microsoft.com/office/drawing/2014/main" id="{0CD17F9D-5355-4D6A-ADC8-56AAF91CA743}"/>
+              </a:ext>
+            </a:extLst>
+          </p:cNvPr>
+          <p:cNvSpPr>
+            <a:spLocks noGrp="1"/>
+          </p:cNvSpPr>
+          <p:nvPr>
+            <p:ph type="title"/>
+          </p:nvPr>
+        </p:nvSpPr>
+        <p:spPr>
+          <a:xfrm>
+            <a:off x="3249240" y="2366377"/>
+            <a:ext cx="5693520" cy="1788704"/>
+          </a:xfrm>
+        </p:spPr>
+        <p:txBody>
+          <a:bodyPr/>
+          <a:lstStyle/>
+          <a:p>
+            <a:pPr algn="ctr"/>
+            <a:r>
+              <a:rPr lang="sk-SK" dirty="0"/>
+              <a:t>Ďakujem za pozornosť</a:t>
+            </a:r>
+            <a:endParaRPr lang="en-GB" dirty="0"/>
+          </a:p>
+        </p:txBody>
+      </p:sp>
+    </p:spTree>
+    <p:extLst>
+      <p:ext uri="{BB962C8B-B14F-4D97-AF65-F5344CB8AC3E}">
+        <p14:creationId xmlns:p14="http://schemas.microsoft.com/office/powerpoint/2010/main" val="1368579330"/>
+      </p:ext>
+    </p:extLst>
+  </p:cSld>
+  <p:clrMapOvr>
+    <a:masterClrMapping/>
+  </p:clrMapOvr>
+</p:sld>
+</file>
+
+<file path=ppt/slides/slide11.xml><?xml version="1.0" encoding="utf-8"?>
+<p:sld xmlns:a="http://schemas.openxmlformats.org/drawingml/2006/main" xmlns:r="http://schemas.openxmlformats.org/officeDocument/2006/relationships" xmlns:p="http://schemas.openxmlformats.org/presentationml/2006/main">
+  <p:cSld>
+    <p:spTree>
+      <p:nvGrpSpPr>
+        <p:cNvPr id="1" name=""/>
+        <p:cNvGrpSpPr/>
+        <p:nvPr/>
+      </p:nvGrpSpPr>
+      <p:grpSpPr>
+        <a:xfrm>
+          <a:off x="0" y="0"/>
+          <a:ext cx="0" cy="0"/>
+          <a:chOff x="0" y="0"/>
+          <a:chExt cx="0" cy="0"/>
+        </a:xfrm>
+      </p:grpSpPr>
+      <p:sp>
+        <p:nvSpPr>
+          <p:cNvPr id="2" name="Nadpis 1">
+            <a:extLst>
+              <a:ext uri="{FF2B5EF4-FFF2-40B4-BE49-F238E27FC236}">
+                <a16:creationId xmlns:a16="http://schemas.microsoft.com/office/drawing/2014/main" id="{B5E591A7-E671-4BB8-980D-6804998F5599}"/>
+              </a:ext>
+            </a:extLst>
+          </p:cNvPr>
+          <p:cNvSpPr>
+            <a:spLocks noGrp="1"/>
+          </p:cNvSpPr>
+          <p:nvPr>
+            <p:ph type="title"/>
+          </p:nvPr>
+        </p:nvSpPr>
+        <p:spPr/>
+        <p:txBody>
+          <a:bodyPr/>
+          <a:lstStyle/>
+          <a:p>
+            <a:r>
+              <a:rPr lang="sk-SK" dirty="0"/>
+              <a:t>Zdroje</a:t>
+            </a:r>
+            <a:endParaRPr lang="en-GB" dirty="0"/>
+          </a:p>
+        </p:txBody>
+      </p:sp>
+      <p:sp>
+        <p:nvSpPr>
+          <p:cNvPr id="3" name="Zástupný objekt pre obsah 2">
+            <a:extLst>
+              <a:ext uri="{FF2B5EF4-FFF2-40B4-BE49-F238E27FC236}">
+                <a16:creationId xmlns:a16="http://schemas.microsoft.com/office/drawing/2014/main" id="{2BD1D41E-F3E9-416D-BDF1-9C808020EA03}"/>
+              </a:ext>
+            </a:extLst>
+          </p:cNvPr>
+          <p:cNvSpPr>
+            <a:spLocks noGrp="1"/>
+          </p:cNvSpPr>
+          <p:nvPr>
+            <p:ph idx="1"/>
+          </p:nvPr>
+        </p:nvSpPr>
+        <p:spPr>
+          <a:xfrm>
+            <a:off x="1154954" y="2603500"/>
+            <a:ext cx="8761413" cy="3898900"/>
+          </a:xfrm>
+        </p:spPr>
+        <p:txBody>
+          <a:bodyPr>
+            <a:normAutofit/>
+          </a:bodyPr>
+          <a:lstStyle/>
+          <a:p>
+            <a:r>
+              <a:rPr lang="x-none" dirty="0">
+                <a:hlinkClick r:id="rId2"/>
+              </a:rPr>
+              <a:t>https://www.dataquest.io/blog/learning-curves-machine-learning/</a:t>
+            </a:r>
+            <a:endParaRPr lang="x-none" dirty="0"/>
+          </a:p>
+          <a:p>
+            <a:r>
+              <a:rPr lang="x-none" dirty="0">
+                <a:hlinkClick r:id="rId3"/>
+              </a:rPr>
+              <a:t>https://towardsdatascience.com/machine-learning-with-python-classification-complete-tutorial-d2c99dc524ec</a:t>
+            </a:r>
+            <a:endParaRPr lang="x-none" dirty="0"/>
+          </a:p>
+          <a:p>
+            <a:r>
+              <a:rPr lang="sk-SK" dirty="0">
+                <a:hlinkClick r:id="rId4"/>
+              </a:rPr>
+              <a:t>https://stackoverflow.com/questions/50565937/how-to-normalize-the-train-and-test-data-using-minmaxscaler-sklearn</a:t>
+            </a:r>
+            <a:endParaRPr lang="sk-SK" dirty="0"/>
+          </a:p>
+          <a:p>
+            <a:r>
+              <a:rPr lang="en-GB" dirty="0">
+                <a:hlinkClick r:id="rId5"/>
+              </a:rPr>
+              <a:t>https://scikit-learn.org/stable/modules/naive_bayes.html</a:t>
+            </a:r>
+            <a:endParaRPr lang="sk-SK" dirty="0"/>
+          </a:p>
+          <a:p>
+            <a:r>
+              <a:rPr lang="sk-SK" dirty="0">
+                <a:hlinkClick r:id="rId6"/>
+              </a:rPr>
+              <a:t>https://scikit-learn.org/stable/modules/generated/sklearn.neural_network.MLPClassifier.html</a:t>
+            </a:r>
+            <a:endParaRPr lang="sk-SK" dirty="0"/>
+          </a:p>
+          <a:p>
+            <a:r>
+              <a:rPr lang="sk-SK" dirty="0">
+                <a:hlinkClick r:id="rId7"/>
+              </a:rPr>
+              <a:t>https://towardsdatascience.com/everything-you-need-to-know-about-min-max-normalization-in-python-b79592732b79</a:t>
+            </a:r>
+            <a:endParaRPr lang="sk-SK" dirty="0"/>
+          </a:p>
+          <a:p>
+            <a:endParaRPr lang="sk-SK" dirty="0"/>
+          </a:p>
+          <a:p>
+            <a:endParaRPr lang="en-GB" dirty="0"/>
+          </a:p>
+        </p:txBody>
+      </p:sp>
+    </p:spTree>
+    <p:extLst>
+      <p:ext uri="{BB962C8B-B14F-4D97-AF65-F5344CB8AC3E}">
+        <p14:creationId xmlns:p14="http://schemas.microsoft.com/office/powerpoint/2010/main" val="3809026027"/>
       </p:ext>
     </p:extLst>
   </p:cSld>
@@ -15702,6 +16131,36 @@
           </a:p>
         </p:txBody>
       </p:sp>
+      <p:pic>
+        <p:nvPicPr>
+          <p:cNvPr id="6" name="Obrázok 5">
+            <a:extLst>
+              <a:ext uri="{FF2B5EF4-FFF2-40B4-BE49-F238E27FC236}">
+                <a16:creationId xmlns:a16="http://schemas.microsoft.com/office/drawing/2014/main" id="{50BFE2D3-126E-41F0-AD76-525BDFF4D5C0}"/>
+              </a:ext>
+            </a:extLst>
+          </p:cNvPr>
+          <p:cNvPicPr>
+            <a:picLocks noChangeAspect="1"/>
+          </p:cNvPicPr>
+          <p:nvPr/>
+        </p:nvPicPr>
+        <p:blipFill>
+          <a:blip r:embed="rId2"/>
+          <a:stretch>
+            <a:fillRect/>
+          </a:stretch>
+        </p:blipFill>
+        <p:spPr>
+          <a:xfrm>
+            <a:off x="7453031" y="3429000"/>
+            <a:ext cx="4029637" cy="1590897"/>
+          </a:xfrm>
+          <a:prstGeom prst="rect">
+            <a:avLst/>
+          </a:prstGeom>
+        </p:spPr>
+      </p:pic>
     </p:spTree>
     <p:extLst>
       <p:ext uri="{BB962C8B-B14F-4D97-AF65-F5344CB8AC3E}">
@@ -16996,7 +17455,7 @@
                   <a:schemeClr val="bg1"/>
                 </a:solidFill>
               </a:rPr>
-              <a:t> majú extrémne rozmery a svietivosť, čo je vidieť na grafoch</a:t>
+              <a:t> (typy 4 a 5) majú extrémne rozmery a svietivosť, čo je vidieť na grafoch</a:t>
             </a:r>
           </a:p>
           <a:p>
@@ -17125,7 +17584,7 @@
         </p:blipFill>
         <p:spPr bwMode="auto">
           <a:xfrm>
-            <a:off x="7307883" y="874111"/>
+            <a:off x="7307883" y="710768"/>
             <a:ext cx="3853728" cy="2435478"/>
           </a:xfrm>
           <a:prstGeom prst="rect">
@@ -17798,7 +18257,7 @@
         </p:blipFill>
         <p:spPr bwMode="auto">
           <a:xfrm>
-            <a:off x="4806577" y="3920729"/>
+            <a:off x="4879228" y="4005168"/>
             <a:ext cx="3220811" cy="2818210"/>
           </a:xfrm>
           <a:prstGeom prst="rect">
@@ -17845,7 +18304,7 @@
         </p:blipFill>
         <p:spPr bwMode="auto">
           <a:xfrm>
-            <a:off x="8100039" y="3920729"/>
+            <a:off x="8100039" y="3948477"/>
             <a:ext cx="3220812" cy="2818210"/>
           </a:xfrm>
           <a:prstGeom prst="rect">
@@ -17892,7 +18351,7 @@
         </p:blipFill>
         <p:spPr bwMode="auto">
           <a:xfrm>
-            <a:off x="8003381" y="414061"/>
+            <a:off x="7930730" y="471674"/>
             <a:ext cx="3779090" cy="3319826"/>
           </a:xfrm>
           <a:prstGeom prst="rect">
@@ -17960,7 +18419,7 @@
         </p:nvSpPr>
         <p:spPr>
           <a:xfrm>
-            <a:off x="6157209" y="3718142"/>
+            <a:off x="6199617" y="3817672"/>
             <a:ext cx="952500" cy="261610"/>
           </a:xfrm>
           <a:prstGeom prst="rect">
@@ -17996,7 +18455,7 @@
         </p:nvSpPr>
         <p:spPr>
           <a:xfrm>
-            <a:off x="9477977" y="3718142"/>
+            <a:off x="9434423" y="3791500"/>
             <a:ext cx="1026977" cy="261610"/>
           </a:xfrm>
           <a:prstGeom prst="rect">
@@ -18064,52 +18523,508 @@
             <p:ph type="title"/>
           </p:nvPr>
         </p:nvSpPr>
-        <p:spPr/>
+        <p:spPr>
+          <a:xfrm>
+            <a:off x="723154" y="1202870"/>
+            <a:ext cx="3099546" cy="486229"/>
+          </a:xfrm>
+        </p:spPr>
         <p:txBody>
           <a:bodyPr/>
           <a:lstStyle/>
           <a:p>
             <a:r>
-              <a:rPr lang="sk-SK" dirty="0" err="1"/>
+              <a:rPr lang="sk-SK" sz="3600" dirty="0" err="1"/>
               <a:t>MLPClassifier</a:t>
             </a:r>
             <a:endParaRPr lang="en-GB" dirty="0"/>
           </a:p>
         </p:txBody>
       </p:sp>
-      <p:sp>
-        <p:nvSpPr>
-          <p:cNvPr id="3" name="Zástupný objekt pre obsah 2">
+      <mc:AlternateContent xmlns:mc="http://schemas.openxmlformats.org/markup-compatibility/2006">
+        <mc:Choice xmlns:a14="http://schemas.microsoft.com/office/drawing/2010/main" Requires="a14">
+          <p:sp>
+            <p:nvSpPr>
+              <p:cNvPr id="3" name="Zástupný objekt pre obsah 2">
+                <a:extLst>
+                  <a:ext uri="{FF2B5EF4-FFF2-40B4-BE49-F238E27FC236}">
+                    <a16:creationId xmlns:a16="http://schemas.microsoft.com/office/drawing/2014/main" id="{C39B0954-967C-4A52-9629-2344B102B048}"/>
+                  </a:ext>
+                </a:extLst>
+              </p:cNvPr>
+              <p:cNvSpPr>
+                <a:spLocks noGrp="1"/>
+              </p:cNvSpPr>
+              <p:nvPr>
+                <p:ph idx="1"/>
+              </p:nvPr>
+            </p:nvSpPr>
+            <p:spPr>
+              <a:xfrm>
+                <a:off x="541489" y="1689099"/>
+                <a:ext cx="4106711" cy="4572000"/>
+              </a:xfrm>
+            </p:spPr>
+            <p:txBody>
+              <a:bodyPr>
+                <a:normAutofit/>
+              </a:bodyPr>
+              <a:lstStyle/>
+              <a:p>
+                <a:r>
+                  <a:rPr lang="sk-SK" sz="1600" dirty="0">
+                    <a:solidFill>
+                      <a:schemeClr val="bg1"/>
+                    </a:solidFill>
+                  </a:rPr>
+                  <a:t>Viacvrstvový </a:t>
+                </a:r>
+                <a:r>
+                  <a:rPr lang="sk-SK" sz="1600" dirty="0" err="1">
+                    <a:solidFill>
+                      <a:schemeClr val="bg1"/>
+                    </a:solidFill>
+                  </a:rPr>
+                  <a:t>perceptrón</a:t>
+                </a:r>
+                <a:endParaRPr lang="sk-SK" sz="1600" dirty="0">
+                  <a:solidFill>
+                    <a:schemeClr val="bg1"/>
+                  </a:solidFill>
+                </a:endParaRPr>
+              </a:p>
+              <a:p>
+                <a:pPr lvl="1"/>
+                <a:r>
+                  <a:rPr lang="sk-SK" sz="1400" dirty="0">
+                    <a:solidFill>
+                      <a:schemeClr val="bg1"/>
+                    </a:solidFill>
+                  </a:rPr>
+                  <a:t>6 vstupných neurónov</a:t>
+                </a:r>
+              </a:p>
+              <a:p>
+                <a:pPr lvl="1"/>
+                <a:r>
+                  <a:rPr lang="sk-SK" sz="1400" dirty="0">
+                    <a:solidFill>
+                      <a:schemeClr val="bg1"/>
+                    </a:solidFill>
+                  </a:rPr>
+                  <a:t>1 skrytá vrstva (6 neurónov)</a:t>
+                </a:r>
+              </a:p>
+              <a:p>
+                <a:pPr lvl="1"/>
+                <a:r>
+                  <a:rPr lang="sk-SK" sz="1400" dirty="0">
+                    <a:solidFill>
+                      <a:schemeClr val="bg1"/>
+                    </a:solidFill>
+                  </a:rPr>
+                  <a:t>1 neurón vo výstupnej vrstve</a:t>
+                </a:r>
+              </a:p>
+              <a:p>
+                <a:pPr lvl="1"/>
+                <a:r>
+                  <a:rPr lang="sk-SK" sz="1400" dirty="0">
+                    <a:solidFill>
+                      <a:schemeClr val="bg1"/>
+                    </a:solidFill>
+                  </a:rPr>
+                  <a:t>1000 iterácii</a:t>
+                </a:r>
+              </a:p>
+              <a:p>
+                <a:r>
+                  <a:rPr lang="sk-SK" sz="1600" dirty="0">
+                    <a:solidFill>
+                      <a:schemeClr val="bg1"/>
+                    </a:solidFill>
+                  </a:rPr>
+                  <a:t>Logistická aktivačná funkcia </a:t>
+                </a:r>
+                <a:r>
+                  <a:rPr lang="sk-SK" sz="1600" i="1" dirty="0">
+                    <a:solidFill>
+                      <a:schemeClr val="bg1"/>
+                    </a:solidFill>
+                    <a:latin typeface="Cambria Math" panose="02040503050406030204" pitchFamily="18" charset="0"/>
+                  </a:rPr>
+                  <a:t>     </a:t>
+                </a:r>
+                <a14:m>
+                  <m:oMath xmlns:m="http://schemas.openxmlformats.org/officeDocument/2006/math">
+                    <m:r>
+                      <a:rPr lang="sk-SK" sz="1600" b="0" i="1" smtClean="0">
+                        <a:solidFill>
+                          <a:schemeClr val="bg1"/>
+                        </a:solidFill>
+                        <a:latin typeface="Cambria Math" panose="02040503050406030204" pitchFamily="18" charset="0"/>
+                      </a:rPr>
+                      <m:t>𝑓</m:t>
+                    </m:r>
+                    <m:d>
+                      <m:dPr>
+                        <m:ctrlPr>
+                          <a:rPr lang="sk-SK" sz="1600" b="0" i="1" smtClean="0">
+                            <a:solidFill>
+                              <a:schemeClr val="bg1"/>
+                            </a:solidFill>
+                            <a:latin typeface="Cambria Math" panose="02040503050406030204" pitchFamily="18" charset="0"/>
+                          </a:rPr>
+                        </m:ctrlPr>
+                      </m:dPr>
+                      <m:e>
+                        <m:r>
+                          <a:rPr lang="sk-SK" sz="1600" b="0" i="1" smtClean="0">
+                            <a:solidFill>
+                              <a:schemeClr val="bg1"/>
+                            </a:solidFill>
+                            <a:latin typeface="Cambria Math" panose="02040503050406030204" pitchFamily="18" charset="0"/>
+                          </a:rPr>
+                          <m:t>𝑥</m:t>
+                        </m:r>
+                      </m:e>
+                    </m:d>
+                    <m:r>
+                      <a:rPr lang="sk-SK" sz="1600" b="0" i="1" smtClean="0">
+                        <a:solidFill>
+                          <a:schemeClr val="bg1"/>
+                        </a:solidFill>
+                        <a:latin typeface="Cambria Math" panose="02040503050406030204" pitchFamily="18" charset="0"/>
+                      </a:rPr>
+                      <m:t>=</m:t>
+                    </m:r>
+                    <m:f>
+                      <m:fPr>
+                        <m:ctrlPr>
+                          <a:rPr lang="sk-SK" sz="1600" b="0" i="1" smtClean="0">
+                            <a:solidFill>
+                              <a:schemeClr val="bg1"/>
+                            </a:solidFill>
+                            <a:latin typeface="Cambria Math" panose="02040503050406030204" pitchFamily="18" charset="0"/>
+                          </a:rPr>
+                        </m:ctrlPr>
+                      </m:fPr>
+                      <m:num>
+                        <m:r>
+                          <a:rPr lang="sk-SK" sz="1600" b="0" i="1" smtClean="0">
+                            <a:solidFill>
+                              <a:schemeClr val="bg1"/>
+                            </a:solidFill>
+                            <a:latin typeface="Cambria Math" panose="02040503050406030204" pitchFamily="18" charset="0"/>
+                          </a:rPr>
+                          <m:t>1</m:t>
+                        </m:r>
+                      </m:num>
+                      <m:den>
+                        <m:r>
+                          <a:rPr lang="sk-SK" sz="1600" i="1">
+                            <a:solidFill>
+                              <a:schemeClr val="bg1"/>
+                            </a:solidFill>
+                            <a:latin typeface="Cambria Math" panose="02040503050406030204" pitchFamily="18" charset="0"/>
+                            <a:ea typeface="Cambria Math" panose="02040503050406030204" pitchFamily="18" charset="0"/>
+                          </a:rPr>
+                          <m:t>1+</m:t>
+                        </m:r>
+                        <m:r>
+                          <a:rPr lang="sk-SK" sz="1600" b="0" i="1" smtClean="0">
+                            <a:solidFill>
+                              <a:schemeClr val="bg1"/>
+                            </a:solidFill>
+                            <a:latin typeface="Cambria Math" panose="02040503050406030204" pitchFamily="18" charset="0"/>
+                            <a:ea typeface="Cambria Math" panose="02040503050406030204" pitchFamily="18" charset="0"/>
+                          </a:rPr>
+                          <m:t> </m:t>
+                        </m:r>
+                        <m:sSup>
+                          <m:sSupPr>
+                            <m:ctrlPr>
+                              <a:rPr lang="sk-SK" sz="1600" b="0" i="1" smtClean="0">
+                                <a:solidFill>
+                                  <a:schemeClr val="bg1"/>
+                                </a:solidFill>
+                                <a:latin typeface="Cambria Math" panose="02040503050406030204" pitchFamily="18" charset="0"/>
+                                <a:ea typeface="Cambria Math" panose="02040503050406030204" pitchFamily="18" charset="0"/>
+                              </a:rPr>
+                            </m:ctrlPr>
+                          </m:sSupPr>
+                          <m:e>
+                            <m:r>
+                              <a:rPr lang="sk-SK" sz="1600" b="0" i="1" smtClean="0">
+                                <a:solidFill>
+                                  <a:schemeClr val="bg1"/>
+                                </a:solidFill>
+                                <a:latin typeface="Cambria Math" panose="02040503050406030204" pitchFamily="18" charset="0"/>
+                                <a:ea typeface="Cambria Math" panose="02040503050406030204" pitchFamily="18" charset="0"/>
+                              </a:rPr>
+                              <m:t>𝑒</m:t>
+                            </m:r>
+                          </m:e>
+                          <m:sup>
+                            <m:r>
+                              <a:rPr lang="sk-SK" sz="1600" b="0" i="1" smtClean="0">
+                                <a:solidFill>
+                                  <a:schemeClr val="bg1"/>
+                                </a:solidFill>
+                                <a:latin typeface="Cambria Math" panose="02040503050406030204" pitchFamily="18" charset="0"/>
+                                <a:ea typeface="Cambria Math" panose="02040503050406030204" pitchFamily="18" charset="0"/>
+                              </a:rPr>
+                              <m:t>−</m:t>
+                            </m:r>
+                            <m:r>
+                              <a:rPr lang="sk-SK" sz="1600" b="0" i="1" smtClean="0">
+                                <a:solidFill>
+                                  <a:schemeClr val="bg1"/>
+                                </a:solidFill>
+                                <a:latin typeface="Cambria Math" panose="02040503050406030204" pitchFamily="18" charset="0"/>
+                                <a:ea typeface="Cambria Math" panose="02040503050406030204" pitchFamily="18" charset="0"/>
+                              </a:rPr>
+                              <m:t>𝑥</m:t>
+                            </m:r>
+                          </m:sup>
+                        </m:sSup>
+                      </m:den>
+                    </m:f>
+                  </m:oMath>
+                </a14:m>
+                <a:endParaRPr lang="sk-SK" sz="1600" dirty="0">
+                  <a:solidFill>
+                    <a:schemeClr val="bg1"/>
+                  </a:solidFill>
+                </a:endParaRPr>
+              </a:p>
+              <a:p>
+                <a:r>
+                  <a:rPr lang="sk-SK" sz="1600" dirty="0" err="1">
+                    <a:solidFill>
+                      <a:schemeClr val="bg1"/>
+                    </a:solidFill>
+                  </a:rPr>
+                  <a:t>Lbfgs</a:t>
+                </a:r>
+                <a:r>
+                  <a:rPr lang="sk-SK" sz="1600" dirty="0">
+                    <a:solidFill>
+                      <a:schemeClr val="bg1"/>
+                    </a:solidFill>
+                  </a:rPr>
+                  <a:t> </a:t>
+                </a:r>
+                <a:r>
+                  <a:rPr lang="sk-SK" sz="1600" dirty="0" err="1">
+                    <a:solidFill>
+                      <a:schemeClr val="bg1"/>
+                    </a:solidFill>
+                  </a:rPr>
+                  <a:t>solver</a:t>
+                </a:r>
+                <a:r>
+                  <a:rPr lang="sk-SK" sz="1600" dirty="0">
+                    <a:solidFill>
+                      <a:schemeClr val="bg1"/>
+                    </a:solidFill>
+                  </a:rPr>
+                  <a:t> </a:t>
+                </a:r>
+              </a:p>
+              <a:p>
+                <a:pPr lvl="1"/>
+                <a:r>
+                  <a:rPr lang="sk-SK" sz="1400" dirty="0">
+                    <a:solidFill>
+                      <a:schemeClr val="bg1"/>
+                    </a:solidFill>
+                  </a:rPr>
+                  <a:t>Optimalizačný algoritmus z kvázi </a:t>
+                </a:r>
+                <a:r>
+                  <a:rPr lang="sk-SK" sz="1400" dirty="0" err="1">
+                    <a:solidFill>
+                      <a:schemeClr val="bg1"/>
+                    </a:solidFill>
+                  </a:rPr>
+                  <a:t>Newtonových</a:t>
+                </a:r>
+                <a:r>
+                  <a:rPr lang="sk-SK" sz="1400" dirty="0">
+                    <a:solidFill>
+                      <a:schemeClr val="bg1"/>
+                    </a:solidFill>
+                  </a:rPr>
+                  <a:t> metód</a:t>
+                </a:r>
+              </a:p>
+              <a:p>
+                <a:pPr lvl="1"/>
+                <a:r>
+                  <a:rPr lang="sk-SK" sz="1400" dirty="0">
+                    <a:solidFill>
+                      <a:schemeClr val="bg1"/>
+                    </a:solidFill>
+                  </a:rPr>
+                  <a:t>Vhodný pre menšie </a:t>
+                </a:r>
+                <a:r>
+                  <a:rPr lang="sk-SK" sz="1400" dirty="0" err="1">
+                    <a:solidFill>
+                      <a:schemeClr val="bg1"/>
+                    </a:solidFill>
+                  </a:rPr>
+                  <a:t>datasety</a:t>
+                </a:r>
+                <a:r>
+                  <a:rPr lang="sk-SK" sz="1400" dirty="0">
+                    <a:solidFill>
+                      <a:schemeClr val="bg1"/>
+                    </a:solidFill>
+                  </a:rPr>
+                  <a:t> (konverguje rýchlejšie)</a:t>
+                </a:r>
+              </a:p>
+              <a:p>
+                <a:r>
+                  <a:rPr lang="sk-SK" sz="1600" dirty="0">
+                    <a:solidFill>
+                      <a:schemeClr val="bg1"/>
+                    </a:solidFill>
+                  </a:rPr>
+                  <a:t>Výsledná presnosť – 100%</a:t>
+                </a:r>
+                <a:endParaRPr lang="en-GB" sz="1600" dirty="0">
+                  <a:solidFill>
+                    <a:schemeClr val="bg1"/>
+                  </a:solidFill>
+                </a:endParaRPr>
+              </a:p>
+            </p:txBody>
+          </p:sp>
+        </mc:Choice>
+        <mc:Fallback>
+          <p:sp>
+            <p:nvSpPr>
+              <p:cNvPr id="3" name="Zástupný objekt pre obsah 2">
+                <a:extLst>
+                  <a:ext uri="{FF2B5EF4-FFF2-40B4-BE49-F238E27FC236}">
+                    <a16:creationId xmlns:a16="http://schemas.microsoft.com/office/drawing/2014/main" id="{C39B0954-967C-4A52-9629-2344B102B048}"/>
+                  </a:ext>
+                </a:extLst>
+              </p:cNvPr>
+              <p:cNvSpPr>
+                <a:spLocks noGrp="1" noRot="1" noChangeAspect="1" noMove="1" noResize="1" noEditPoints="1" noAdjustHandles="1" noChangeArrowheads="1" noChangeShapeType="1" noTextEdit="1"/>
+              </p:cNvSpPr>
+              <p:nvPr>
+                <p:ph idx="1"/>
+              </p:nvPr>
+            </p:nvSpPr>
+            <p:spPr>
+              <a:xfrm>
+                <a:off x="541489" y="1689099"/>
+                <a:ext cx="4106711" cy="4572000"/>
+              </a:xfrm>
+              <a:blipFill>
+                <a:blip r:embed="rId2"/>
+                <a:stretch>
+                  <a:fillRect l="-148"/>
+                </a:stretch>
+              </a:blipFill>
+            </p:spPr>
+            <p:txBody>
+              <a:bodyPr/>
+              <a:lstStyle/>
+              <a:p>
+                <a:r>
+                  <a:rPr lang="en-GB">
+                    <a:noFill/>
+                  </a:rPr>
+                  <a:t> </a:t>
+                </a:r>
+              </a:p>
+            </p:txBody>
+          </p:sp>
+        </mc:Fallback>
+      </mc:AlternateContent>
+      <p:pic>
+        <p:nvPicPr>
+          <p:cNvPr id="9" name="Obrázok 8">
             <a:extLst>
               <a:ext uri="{FF2B5EF4-FFF2-40B4-BE49-F238E27FC236}">
-                <a16:creationId xmlns:a16="http://schemas.microsoft.com/office/drawing/2014/main" id="{C39B0954-967C-4A52-9629-2344B102B048}"/>
+                <a16:creationId xmlns:a16="http://schemas.microsoft.com/office/drawing/2014/main" id="{A70D455C-8E13-4A85-9AFA-535DA873C3B8}"/>
               </a:ext>
             </a:extLst>
           </p:cNvPr>
-          <p:cNvSpPr>
-            <a:spLocks noGrp="1"/>
-          </p:cNvSpPr>
-          <p:nvPr>
-            <p:ph idx="1"/>
-          </p:nvPr>
-        </p:nvSpPr>
-        <p:spPr/>
-        <p:txBody>
-          <a:bodyPr/>
-          <a:lstStyle/>
-          <a:p>
-            <a:r>
-              <a:rPr lang="sk-SK" dirty="0"/>
-              <a:t>Viacvrstvový </a:t>
-            </a:r>
-            <a:r>
-              <a:rPr lang="sk-SK"/>
-              <a:t>perceptrón</a:t>
-            </a:r>
-            <a:endParaRPr lang="en-GB"/>
-          </a:p>
-        </p:txBody>
-      </p:sp>
+          <p:cNvPicPr>
+            <a:picLocks noChangeAspect="1"/>
+          </p:cNvPicPr>
+          <p:nvPr/>
+        </p:nvPicPr>
+        <p:blipFill>
+          <a:blip r:embed="rId3"/>
+          <a:stretch>
+            <a:fillRect/>
+          </a:stretch>
+        </p:blipFill>
+        <p:spPr>
+          <a:xfrm>
+            <a:off x="5607468" y="331403"/>
+            <a:ext cx="3572374" cy="2229161"/>
+          </a:xfrm>
+          <a:prstGeom prst="rect">
+            <a:avLst/>
+          </a:prstGeom>
+        </p:spPr>
+      </p:pic>
+      <p:pic>
+        <p:nvPicPr>
+          <p:cNvPr id="2052" name="Picture 4">
+            <a:extLst>
+              <a:ext uri="{FF2B5EF4-FFF2-40B4-BE49-F238E27FC236}">
+                <a16:creationId xmlns:a16="http://schemas.microsoft.com/office/drawing/2014/main" id="{2B6CA4DE-3A8F-4BE5-99CF-C5E674707C0A}"/>
+              </a:ext>
+            </a:extLst>
+          </p:cNvPr>
+          <p:cNvPicPr>
+            <a:picLocks noChangeAspect="1" noChangeArrowheads="1"/>
+          </p:cNvPicPr>
+          <p:nvPr/>
+        </p:nvPicPr>
+        <p:blipFill>
+          <a:blip r:embed="rId4">
+            <a:extLst>
+              <a:ext uri="{28A0092B-C50C-407E-A947-70E740481C1C}">
+                <a14:useLocalDpi xmlns:a14="http://schemas.microsoft.com/office/drawing/2010/main" val="0"/>
+              </a:ext>
+            </a:extLst>
+          </a:blip>
+          <a:srcRect/>
+          <a:stretch>
+            <a:fillRect/>
+          </a:stretch>
+        </p:blipFill>
+        <p:spPr bwMode="auto">
+          <a:xfrm>
+            <a:off x="5236912" y="2988191"/>
+            <a:ext cx="4313485" cy="3538406"/>
+          </a:xfrm>
+          <a:prstGeom prst="rect">
+            <a:avLst/>
+          </a:prstGeom>
+          <a:noFill/>
+          <a:extLst>
+            <a:ext uri="{909E8E84-426E-40DD-AFC4-6F175D3DCCD1}">
+              <a14:hiddenFill xmlns:a14="http://schemas.microsoft.com/office/drawing/2010/main">
+                <a:solidFill>
+                  <a:srgbClr val="FFFFFF"/>
+                </a:solidFill>
+              </a14:hiddenFill>
+            </a:ext>
+          </a:extLst>
+        </p:spPr>
+      </p:pic>
     </p:spTree>
     <p:extLst>
       <p:ext uri="{BB962C8B-B14F-4D97-AF65-F5344CB8AC3E}">
@@ -18145,7 +19060,7 @@
           <p:cNvPr id="2" name="Nadpis 1">
             <a:extLst>
               <a:ext uri="{FF2B5EF4-FFF2-40B4-BE49-F238E27FC236}">
-                <a16:creationId xmlns:a16="http://schemas.microsoft.com/office/drawing/2014/main" id="{0CD17F9D-5355-4D6A-ADC8-56AAF91CA743}"/>
+                <a16:creationId xmlns:a16="http://schemas.microsoft.com/office/drawing/2014/main" id="{8335B9B6-F964-4273-8009-4F82F9361561}"/>
               </a:ext>
             </a:extLst>
           </p:cNvPr>
@@ -18156,48 +19071,480 @@
             <p:ph type="title"/>
           </p:nvPr>
         </p:nvSpPr>
-        <p:spPr/>
+        <p:spPr>
+          <a:xfrm>
+            <a:off x="700928" y="1152525"/>
+            <a:ext cx="3261471" cy="485775"/>
+          </a:xfrm>
+        </p:spPr>
         <p:txBody>
           <a:bodyPr/>
           <a:lstStyle/>
           <a:p>
             <a:r>
-              <a:rPr lang="sk-SK" dirty="0"/>
-              <a:t>Ďakujem za pozornosť</a:t>
+              <a:rPr lang="sk-SK" sz="3600" dirty="0" err="1"/>
+              <a:t>MLPClassifier</a:t>
             </a:r>
             <a:endParaRPr lang="en-GB" dirty="0"/>
           </a:p>
         </p:txBody>
       </p:sp>
-      <p:sp>
-        <p:nvSpPr>
-          <p:cNvPr id="3" name="Zástupný objekt pre obsah 2">
+      <mc:AlternateContent xmlns:mc="http://schemas.openxmlformats.org/markup-compatibility/2006">
+        <mc:Choice xmlns:a14="http://schemas.microsoft.com/office/drawing/2010/main" Requires="a14">
+          <p:sp>
+            <p:nvSpPr>
+              <p:cNvPr id="3" name="Zástupný objekt pre obsah 2">
+                <a:extLst>
+                  <a:ext uri="{FF2B5EF4-FFF2-40B4-BE49-F238E27FC236}">
+                    <a16:creationId xmlns:a16="http://schemas.microsoft.com/office/drawing/2014/main" id="{C39B0954-967C-4A52-9629-2344B102B048}"/>
+                  </a:ext>
+                </a:extLst>
+              </p:cNvPr>
+              <p:cNvSpPr>
+                <a:spLocks noGrp="1"/>
+              </p:cNvSpPr>
+              <p:nvPr>
+                <p:ph idx="1"/>
+              </p:nvPr>
+            </p:nvSpPr>
+            <p:spPr>
+              <a:xfrm>
+                <a:off x="590021" y="1638300"/>
+                <a:ext cx="4096279" cy="4572000"/>
+              </a:xfrm>
+            </p:spPr>
+            <p:txBody>
+              <a:bodyPr>
+                <a:normAutofit fontScale="85000" lnSpcReduction="10000"/>
+              </a:bodyPr>
+              <a:lstStyle/>
+              <a:p>
+                <a:r>
+                  <a:rPr lang="sk-SK" dirty="0">
+                    <a:solidFill>
+                      <a:schemeClr val="bg1"/>
+                    </a:solidFill>
+                  </a:rPr>
+                  <a:t>Viacvrstvový </a:t>
+                </a:r>
+                <a:r>
+                  <a:rPr lang="sk-SK" dirty="0" err="1">
+                    <a:solidFill>
+                      <a:schemeClr val="bg1"/>
+                    </a:solidFill>
+                  </a:rPr>
+                  <a:t>perceptrón</a:t>
+                </a:r>
+                <a:endParaRPr lang="sk-SK" dirty="0">
+                  <a:solidFill>
+                    <a:schemeClr val="bg1"/>
+                  </a:solidFill>
+                </a:endParaRPr>
+              </a:p>
+              <a:p>
+                <a:pPr lvl="1"/>
+                <a:r>
+                  <a:rPr lang="sk-SK" dirty="0">
+                    <a:solidFill>
+                      <a:schemeClr val="bg1"/>
+                    </a:solidFill>
+                  </a:rPr>
+                  <a:t>6 vstupných neurónov</a:t>
+                </a:r>
+              </a:p>
+              <a:p>
+                <a:pPr lvl="1"/>
+                <a:r>
+                  <a:rPr lang="sk-SK" dirty="0">
+                    <a:solidFill>
+                      <a:schemeClr val="bg1"/>
+                    </a:solidFill>
+                  </a:rPr>
+                  <a:t>2 skryté vrstvy (po 6 neurónov)</a:t>
+                </a:r>
+              </a:p>
+              <a:p>
+                <a:pPr lvl="1"/>
+                <a:r>
+                  <a:rPr lang="sk-SK" dirty="0">
+                    <a:solidFill>
+                      <a:schemeClr val="bg1"/>
+                    </a:solidFill>
+                  </a:rPr>
+                  <a:t>1 neurón vo výstupnej vrstve</a:t>
+                </a:r>
+              </a:p>
+              <a:p>
+                <a:pPr lvl="1"/>
+                <a:r>
+                  <a:rPr lang="sk-SK" dirty="0">
+                    <a:solidFill>
+                      <a:schemeClr val="bg1"/>
+                    </a:solidFill>
+                  </a:rPr>
+                  <a:t>10000 iterácii (kvôli konvergovaniu a zvýšeniu presnosti)</a:t>
+                </a:r>
+              </a:p>
+              <a:p>
+                <a:r>
+                  <a:rPr lang="sk-SK" dirty="0">
+                    <a:solidFill>
+                      <a:schemeClr val="bg1"/>
+                    </a:solidFill>
+                  </a:rPr>
+                  <a:t>Zmena </a:t>
+                </a:r>
+                <a:r>
+                  <a:rPr lang="sk-SK" dirty="0" err="1">
+                    <a:solidFill>
+                      <a:schemeClr val="bg1"/>
+                    </a:solidFill>
+                  </a:rPr>
+                  <a:t>solvera</a:t>
+                </a:r>
+                <a:r>
+                  <a:rPr lang="sk-SK" dirty="0">
+                    <a:solidFill>
+                      <a:schemeClr val="bg1"/>
+                    </a:solidFill>
+                  </a:rPr>
+                  <a:t> – </a:t>
+                </a:r>
+                <a:r>
+                  <a:rPr lang="sk-SK" dirty="0" err="1">
+                    <a:solidFill>
+                      <a:schemeClr val="bg1"/>
+                    </a:solidFill>
+                  </a:rPr>
+                  <a:t>sgd</a:t>
+                </a:r>
+                <a:r>
+                  <a:rPr lang="sk-SK" dirty="0">
+                    <a:solidFill>
+                      <a:schemeClr val="bg1"/>
+                    </a:solidFill>
+                  </a:rPr>
+                  <a:t> (</a:t>
+                </a:r>
+                <a:r>
+                  <a:rPr lang="sk-SK" dirty="0" err="1">
+                    <a:solidFill>
+                      <a:schemeClr val="bg1"/>
+                    </a:solidFill>
+                  </a:rPr>
+                  <a:t>stochastický</a:t>
+                </a:r>
+                <a:r>
+                  <a:rPr lang="sk-SK" dirty="0">
+                    <a:solidFill>
+                      <a:schemeClr val="bg1"/>
+                    </a:solidFill>
+                  </a:rPr>
+                  <a:t> gradient)</a:t>
+                </a:r>
+              </a:p>
+              <a:p>
+                <a:pPr lvl="1"/>
+                <a:r>
+                  <a:rPr lang="sk-SK" dirty="0">
+                    <a:solidFill>
+                      <a:schemeClr val="bg1"/>
+                    </a:solidFill>
+                  </a:rPr>
+                  <a:t>Spôsobilo zníženie presnosti</a:t>
+                </a:r>
+              </a:p>
+              <a:p>
+                <a:pPr lvl="1"/>
+                <a:r>
+                  <a:rPr lang="sk-SK" dirty="0">
+                    <a:solidFill>
+                      <a:schemeClr val="bg1"/>
+                    </a:solidFill>
+                  </a:rPr>
+                  <a:t>Potrebná zmena aktivačnej funkcie</a:t>
+                </a:r>
+              </a:p>
+              <a:p>
+                <a:r>
+                  <a:rPr lang="sk-SK" dirty="0">
+                    <a:solidFill>
+                      <a:schemeClr val="bg1"/>
+                    </a:solidFill>
+                  </a:rPr>
+                  <a:t>Aktivačná funkcia </a:t>
+                </a:r>
+                <a:r>
+                  <a:rPr lang="sk-SK" dirty="0" err="1">
+                    <a:solidFill>
+                      <a:schemeClr val="bg1"/>
+                    </a:solidFill>
+                  </a:rPr>
+                  <a:t>relu</a:t>
+                </a:r>
+                <a:r>
+                  <a:rPr lang="sk-SK" dirty="0">
+                    <a:solidFill>
+                      <a:schemeClr val="bg1"/>
+                    </a:solidFill>
+                  </a:rPr>
+                  <a:t> </a:t>
+                </a:r>
+                <a14:m>
+                  <m:oMath xmlns:m="http://schemas.openxmlformats.org/officeDocument/2006/math">
+                    <m:r>
+                      <a:rPr lang="sk-SK" b="0" i="1" smtClean="0">
+                        <a:solidFill>
+                          <a:schemeClr val="bg1"/>
+                        </a:solidFill>
+                        <a:latin typeface="Cambria Math" panose="02040503050406030204" pitchFamily="18" charset="0"/>
+                      </a:rPr>
+                      <m:t>𝑓</m:t>
+                    </m:r>
+                    <m:d>
+                      <m:dPr>
+                        <m:ctrlPr>
+                          <a:rPr lang="sk-SK" b="0" i="1" smtClean="0">
+                            <a:solidFill>
+                              <a:schemeClr val="bg1"/>
+                            </a:solidFill>
+                            <a:latin typeface="Cambria Math" panose="02040503050406030204" pitchFamily="18" charset="0"/>
+                          </a:rPr>
+                        </m:ctrlPr>
+                      </m:dPr>
+                      <m:e>
+                        <m:r>
+                          <a:rPr lang="sk-SK" b="0" i="1" smtClean="0">
+                            <a:solidFill>
+                              <a:schemeClr val="bg1"/>
+                            </a:solidFill>
+                            <a:latin typeface="Cambria Math" panose="02040503050406030204" pitchFamily="18" charset="0"/>
+                          </a:rPr>
+                          <m:t>𝑥</m:t>
+                        </m:r>
+                      </m:e>
+                    </m:d>
+                    <m:r>
+                      <a:rPr lang="sk-SK" b="0" i="1" smtClean="0">
+                        <a:solidFill>
+                          <a:schemeClr val="bg1"/>
+                        </a:solidFill>
+                        <a:latin typeface="Cambria Math" panose="02040503050406030204" pitchFamily="18" charset="0"/>
+                      </a:rPr>
+                      <m:t>=</m:t>
+                    </m:r>
+                    <m:r>
+                      <m:rPr>
+                        <m:sty m:val="p"/>
+                      </m:rPr>
+                      <a:rPr lang="sk-SK" b="0" i="0" smtClean="0">
+                        <a:solidFill>
+                          <a:schemeClr val="bg1"/>
+                        </a:solidFill>
+                        <a:latin typeface="Cambria Math" panose="02040503050406030204" pitchFamily="18" charset="0"/>
+                      </a:rPr>
+                      <m:t>max</m:t>
+                    </m:r>
+                    <m:r>
+                      <a:rPr lang="sk-SK" b="0" i="1" smtClean="0">
+                        <a:solidFill>
+                          <a:schemeClr val="bg1"/>
+                        </a:solidFill>
+                        <a:latin typeface="Cambria Math" panose="02040503050406030204" pitchFamily="18" charset="0"/>
+                      </a:rPr>
+                      <m:t>⁡(0,</m:t>
+                    </m:r>
+                    <m:r>
+                      <a:rPr lang="sk-SK" b="0" i="1" smtClean="0">
+                        <a:solidFill>
+                          <a:schemeClr val="bg1"/>
+                        </a:solidFill>
+                        <a:latin typeface="Cambria Math" panose="02040503050406030204" pitchFamily="18" charset="0"/>
+                      </a:rPr>
+                      <m:t>𝑥</m:t>
+                    </m:r>
+                    <m:r>
+                      <a:rPr lang="sk-SK" b="0" i="1" smtClean="0">
+                        <a:solidFill>
+                          <a:schemeClr val="bg1"/>
+                        </a:solidFill>
+                        <a:latin typeface="Cambria Math" panose="02040503050406030204" pitchFamily="18" charset="0"/>
+                      </a:rPr>
+                      <m:t>)</m:t>
+                    </m:r>
+                  </m:oMath>
+                </a14:m>
+                <a:endParaRPr lang="sk-SK" dirty="0">
+                  <a:solidFill>
+                    <a:schemeClr val="bg1"/>
+                  </a:solidFill>
+                </a:endParaRPr>
+              </a:p>
+              <a:p>
+                <a:pPr lvl="1"/>
+                <a:r>
+                  <a:rPr lang="sk-SK" dirty="0">
+                    <a:solidFill>
+                      <a:schemeClr val="bg1"/>
+                    </a:solidFill>
+                  </a:rPr>
+                  <a:t>Logistická funkcia a funkcia </a:t>
+                </a:r>
+                <a:r>
+                  <a:rPr lang="sk-SK" dirty="0" err="1">
+                    <a:solidFill>
+                      <a:schemeClr val="bg1"/>
+                    </a:solidFill>
+                  </a:rPr>
+                  <a:t>tanh</a:t>
+                </a:r>
+                <a:r>
+                  <a:rPr lang="sk-SK" dirty="0">
+                    <a:solidFill>
+                      <a:schemeClr val="bg1"/>
+                    </a:solidFill>
+                  </a:rPr>
+                  <a:t> dosiahli nižšiu presnosť</a:t>
+                </a:r>
+              </a:p>
+              <a:p>
+                <a:r>
+                  <a:rPr lang="sk-SK" dirty="0">
+                    <a:solidFill>
+                      <a:schemeClr val="bg1"/>
+                    </a:solidFill>
+                  </a:rPr>
+                  <a:t>Výsledná presnosť je horšia ako v predchádzajúcom prípade – 96%</a:t>
+                </a:r>
+              </a:p>
+            </p:txBody>
+          </p:sp>
+        </mc:Choice>
+        <mc:Fallback>
+          <p:sp>
+            <p:nvSpPr>
+              <p:cNvPr id="3" name="Zástupný objekt pre obsah 2">
+                <a:extLst>
+                  <a:ext uri="{FF2B5EF4-FFF2-40B4-BE49-F238E27FC236}">
+                    <a16:creationId xmlns:a16="http://schemas.microsoft.com/office/drawing/2014/main" id="{C39B0954-967C-4A52-9629-2344B102B048}"/>
+                  </a:ext>
+                </a:extLst>
+              </p:cNvPr>
+              <p:cNvSpPr>
+                <a:spLocks noGrp="1" noRot="1" noChangeAspect="1" noMove="1" noResize="1" noEditPoints="1" noAdjustHandles="1" noChangeArrowheads="1" noChangeShapeType="1" noTextEdit="1"/>
+              </p:cNvSpPr>
+              <p:nvPr>
+                <p:ph idx="1"/>
+              </p:nvPr>
+            </p:nvSpPr>
+            <p:spPr>
+              <a:xfrm>
+                <a:off x="590021" y="1638300"/>
+                <a:ext cx="4096279" cy="4572000"/>
+              </a:xfrm>
+              <a:blipFill>
+                <a:blip r:embed="rId2"/>
+                <a:stretch>
+                  <a:fillRect r="-149"/>
+                </a:stretch>
+              </a:blipFill>
+            </p:spPr>
+            <p:txBody>
+              <a:bodyPr/>
+              <a:lstStyle/>
+              <a:p>
+                <a:r>
+                  <a:rPr lang="en-GB">
+                    <a:noFill/>
+                  </a:rPr>
+                  <a:t> </a:t>
+                </a:r>
+              </a:p>
+            </p:txBody>
+          </p:sp>
+        </mc:Fallback>
+      </mc:AlternateContent>
+      <p:pic>
+        <p:nvPicPr>
+          <p:cNvPr id="6" name="Obrázok 5">
             <a:extLst>
               <a:ext uri="{FF2B5EF4-FFF2-40B4-BE49-F238E27FC236}">
-                <a16:creationId xmlns:a16="http://schemas.microsoft.com/office/drawing/2014/main" id="{FB0AD0F2-AF26-42D2-9FD9-35199A7347F0}"/>
+                <a16:creationId xmlns:a16="http://schemas.microsoft.com/office/drawing/2014/main" id="{D7F03348-29B2-4B38-A89D-5E662727C8FA}"/>
               </a:ext>
             </a:extLst>
           </p:cNvPr>
-          <p:cNvSpPr>
-            <a:spLocks noGrp="1"/>
-          </p:cNvSpPr>
-          <p:nvPr>
-            <p:ph idx="1"/>
-          </p:nvPr>
-        </p:nvSpPr>
-        <p:spPr/>
-        <p:txBody>
-          <a:bodyPr/>
-          <a:lstStyle/>
-          <a:p>
-            <a:endParaRPr lang="en-GB"/>
-          </a:p>
-        </p:txBody>
-      </p:sp>
+          <p:cNvPicPr>
+            <a:picLocks noChangeAspect="1"/>
+          </p:cNvPicPr>
+          <p:nvPr/>
+        </p:nvPicPr>
+        <p:blipFill>
+          <a:blip r:embed="rId3"/>
+          <a:stretch>
+            <a:fillRect/>
+          </a:stretch>
+        </p:blipFill>
+        <p:spPr>
+          <a:xfrm>
+            <a:off x="5562348" y="366568"/>
+            <a:ext cx="3600953" cy="2057687"/>
+          </a:xfrm>
+          <a:prstGeom prst="rect">
+            <a:avLst/>
+          </a:prstGeom>
+        </p:spPr>
+      </p:pic>
+      <p:pic>
+        <p:nvPicPr>
+          <p:cNvPr id="3074" name="Picture 2">
+            <a:extLst>
+              <a:ext uri="{FF2B5EF4-FFF2-40B4-BE49-F238E27FC236}">
+                <a16:creationId xmlns:a16="http://schemas.microsoft.com/office/drawing/2014/main" id="{6E18C46B-4681-4B8F-A2D0-08220C36053E}"/>
+              </a:ext>
+            </a:extLst>
+          </p:cNvPr>
+          <p:cNvPicPr>
+            <a:picLocks noChangeAspect="1" noChangeArrowheads="1"/>
+          </p:cNvPicPr>
+          <p:nvPr/>
+        </p:nvPicPr>
+        <p:blipFill>
+          <a:blip r:embed="rId4">
+            <a:extLst>
+              <a:ext uri="{28A0092B-C50C-407E-A947-70E740481C1C}">
+                <a14:useLocalDpi xmlns:a14="http://schemas.microsoft.com/office/drawing/2010/main" val="0"/>
+              </a:ext>
+            </a:extLst>
+          </a:blip>
+          <a:srcRect/>
+          <a:stretch>
+            <a:fillRect/>
+          </a:stretch>
+        </p:blipFill>
+        <p:spPr bwMode="auto">
+          <a:xfrm>
+            <a:off x="5029650" y="2788229"/>
+            <a:ext cx="4666347" cy="3595832"/>
+          </a:xfrm>
+          <a:prstGeom prst="rect">
+            <a:avLst/>
+          </a:prstGeom>
+          <a:noFill/>
+          <a:extLst>
+            <a:ext uri="{909E8E84-426E-40DD-AFC4-6F175D3DCCD1}">
+              <a14:hiddenFill xmlns:a14="http://schemas.microsoft.com/office/drawing/2010/main">
+                <a:solidFill>
+                  <a:srgbClr val="FFFFFF"/>
+                </a:solidFill>
+              </a14:hiddenFill>
+            </a:ext>
+          </a:extLst>
+        </p:spPr>
+      </p:pic>
     </p:spTree>
     <p:extLst>
       <p:ext uri="{BB962C8B-B14F-4D97-AF65-F5344CB8AC3E}">
-        <p14:creationId xmlns:p14="http://schemas.microsoft.com/office/powerpoint/2010/main" val="1368579330"/>
+        <p14:creationId xmlns:p14="http://schemas.microsoft.com/office/powerpoint/2010/main" val="1541908363"/>
       </p:ext>
     </p:extLst>
   </p:cSld>
@@ -18229,7 +19576,7 @@
           <p:cNvPr id="2" name="Nadpis 1">
             <a:extLst>
               <a:ext uri="{FF2B5EF4-FFF2-40B4-BE49-F238E27FC236}">
-                <a16:creationId xmlns:a16="http://schemas.microsoft.com/office/drawing/2014/main" id="{B5E591A7-E671-4BB8-980D-6804998F5599}"/>
+                <a16:creationId xmlns:a16="http://schemas.microsoft.com/office/drawing/2014/main" id="{8335B9B6-F964-4273-8009-4F82F9361561}"/>
               </a:ext>
             </a:extLst>
           </p:cNvPr>
@@ -18246,8 +19593,24 @@
           <a:lstStyle/>
           <a:p>
             <a:r>
+              <a:rPr lang="sk-SK" dirty="0" err="1"/>
+              <a:t>Gaussian</a:t>
+            </a:r>
+            <a:r>
               <a:rPr lang="sk-SK" dirty="0"/>
-              <a:t>Zdroje</a:t>
+              <a:t> </a:t>
+            </a:r>
+            <a:r>
+              <a:rPr lang="sk-SK" dirty="0" err="1"/>
+              <a:t>Naive</a:t>
+            </a:r>
+            <a:r>
+              <a:rPr lang="sk-SK" dirty="0"/>
+              <a:t> </a:t>
+            </a:r>
+            <a:r>
+              <a:rPr lang="sk-SK" dirty="0" err="1"/>
+              <a:t>Bayes</a:t>
             </a:r>
             <a:endParaRPr lang="en-GB" dirty="0"/>
           </a:p>
@@ -18258,7 +19621,7 @@
           <p:cNvPr id="3" name="Zástupný objekt pre obsah 2">
             <a:extLst>
               <a:ext uri="{FF2B5EF4-FFF2-40B4-BE49-F238E27FC236}">
-                <a16:creationId xmlns:a16="http://schemas.microsoft.com/office/drawing/2014/main" id="{2BD1D41E-F3E9-416D-BDF1-9C808020EA03}"/>
+                <a16:creationId xmlns:a16="http://schemas.microsoft.com/office/drawing/2014/main" id="{C39B0954-967C-4A52-9629-2344B102B048}"/>
               </a:ext>
             </a:extLst>
           </p:cNvPr>
@@ -18269,19 +19632,163 @@
             <p:ph idx="1"/>
           </p:nvPr>
         </p:nvSpPr>
-        <p:spPr/>
+        <p:spPr>
+          <a:xfrm>
+            <a:off x="840630" y="2349515"/>
+            <a:ext cx="7684246" cy="4162425"/>
+          </a:xfrm>
+        </p:spPr>
         <p:txBody>
-          <a:bodyPr/>
+          <a:bodyPr>
+            <a:normAutofit/>
+          </a:bodyPr>
           <a:lstStyle/>
           <a:p>
-            <a:endParaRPr lang="en-GB"/>
+            <a:r>
+              <a:rPr lang="sk-SK" dirty="0"/>
+              <a:t>Štatistický </a:t>
+            </a:r>
+            <a:r>
+              <a:rPr lang="sk-SK" dirty="0" err="1"/>
+              <a:t>klasifikátor</a:t>
+            </a:r>
+            <a:r>
+              <a:rPr lang="sk-SK" dirty="0"/>
+              <a:t> patriaci do skupiny algoritmov učenia s učiteľom</a:t>
+            </a:r>
+          </a:p>
+          <a:p>
+            <a:r>
+              <a:rPr lang="sk-SK" dirty="0"/>
+              <a:t>Predikuje pravdepodobnosti, s ktorými príklad patrí do danej triedy</a:t>
+            </a:r>
+          </a:p>
+          <a:p>
+            <a:r>
+              <a:rPr lang="sk-SK" dirty="0"/>
+              <a:t>Vychádza z predpokladu nezávislosti atribútov medzi sebou</a:t>
+            </a:r>
+          </a:p>
+          <a:p>
+            <a:r>
+              <a:rPr lang="sk-SK" dirty="0"/>
+              <a:t>Inkrementálne trénovanie na dátach</a:t>
+            </a:r>
+          </a:p>
+          <a:p>
+            <a:endParaRPr lang="sk-SK" dirty="0"/>
+          </a:p>
+          <a:p>
+            <a:r>
+              <a:rPr lang="sk-SK" dirty="0"/>
+              <a:t>Výsledná presnosť -100% </a:t>
+            </a:r>
+          </a:p>
+          <a:p>
+            <a:r>
+              <a:rPr lang="sk-SK" dirty="0"/>
+              <a:t>Pre porovnanie – presnosť pri použití neškálovaných dát je 88%</a:t>
+            </a:r>
+          </a:p>
+          <a:p>
+            <a:pPr lvl="1"/>
+            <a:r>
+              <a:rPr lang="sk-SK" dirty="0"/>
+              <a:t>Pre </a:t>
+            </a:r>
+            <a:r>
+              <a:rPr lang="sk-SK" dirty="0" err="1"/>
+              <a:t>linearSVC</a:t>
+            </a:r>
+            <a:r>
+              <a:rPr lang="sk-SK" dirty="0"/>
+              <a:t> je presnosť pri použití neškálovaných dát horšia až o 46%</a:t>
+            </a:r>
+            <a:endParaRPr lang="en-GB" dirty="0"/>
           </a:p>
         </p:txBody>
       </p:sp>
+      <p:pic>
+        <p:nvPicPr>
+          <p:cNvPr id="5" name="Obrázok 4">
+            <a:extLst>
+              <a:ext uri="{FF2B5EF4-FFF2-40B4-BE49-F238E27FC236}">
+                <a16:creationId xmlns:a16="http://schemas.microsoft.com/office/drawing/2014/main" id="{6609EDBD-4863-4F54-A7D0-7C7F8010AF0F}"/>
+              </a:ext>
+            </a:extLst>
+          </p:cNvPr>
+          <p:cNvPicPr>
+            <a:picLocks noChangeAspect="1"/>
+          </p:cNvPicPr>
+          <p:nvPr/>
+        </p:nvPicPr>
+        <p:blipFill>
+          <a:blip r:embed="rId2"/>
+          <a:stretch>
+            <a:fillRect/>
+          </a:stretch>
+        </p:blipFill>
+        <p:spPr>
+          <a:xfrm>
+            <a:off x="1154954" y="4516421"/>
+            <a:ext cx="4648849" cy="238158"/>
+          </a:xfrm>
+          <a:prstGeom prst="rect">
+            <a:avLst/>
+          </a:prstGeom>
+        </p:spPr>
+      </p:pic>
+      <p:pic>
+        <p:nvPicPr>
+          <p:cNvPr id="1026" name="Picture 2">
+            <a:extLst>
+              <a:ext uri="{FF2B5EF4-FFF2-40B4-BE49-F238E27FC236}">
+                <a16:creationId xmlns:a16="http://schemas.microsoft.com/office/drawing/2014/main" id="{A40FC438-3EE0-4F51-B009-FBE78BC64530}"/>
+              </a:ext>
+            </a:extLst>
+          </p:cNvPr>
+          <p:cNvPicPr>
+            <a:picLocks noChangeAspect="1" noChangeArrowheads="1"/>
+          </p:cNvPicPr>
+          <p:nvPr/>
+        </p:nvPicPr>
+        <p:blipFill>
+          <a:blip r:embed="rId3">
+            <a:extLst>
+              <a:ext uri="{28A0092B-C50C-407E-A947-70E740481C1C}">
+                <a14:useLocalDpi xmlns:a14="http://schemas.microsoft.com/office/drawing/2010/main" val="0"/>
+              </a:ext>
+            </a:extLst>
+          </a:blip>
+          <a:srcRect/>
+          <a:stretch>
+            <a:fillRect/>
+          </a:stretch>
+        </p:blipFill>
+        <p:spPr bwMode="auto">
+          <a:xfrm>
+            <a:off x="8315325" y="2911607"/>
+            <a:ext cx="3660881" cy="3209627"/>
+          </a:xfrm>
+          <a:prstGeom prst="rect">
+            <a:avLst/>
+          </a:prstGeom>
+          <a:noFill/>
+          <a:extLst>
+            <a:ext uri="{909E8E84-426E-40DD-AFC4-6F175D3DCCD1}">
+              <a14:hiddenFill xmlns:a14="http://schemas.microsoft.com/office/drawing/2010/main">
+                <a:solidFill>
+                  <a:srgbClr val="FFFFFF"/>
+                </a:solidFill>
+              </a14:hiddenFill>
+            </a:ext>
+          </a:extLst>
+        </p:spPr>
+      </p:pic>
     </p:spTree>
     <p:extLst>
       <p:ext uri="{BB962C8B-B14F-4D97-AF65-F5344CB8AC3E}">
-        <p14:creationId xmlns:p14="http://schemas.microsoft.com/office/powerpoint/2010/main" val="3809026027"/>
+        <p14:creationId xmlns:p14="http://schemas.microsoft.com/office/powerpoint/2010/main" val="3480595729"/>
       </p:ext>
     </p:extLst>
   </p:cSld>
